--- a/cursor_intro.pptx
+++ b/cursor_intro.pptx
@@ -5,7 +5,7 @@
     <p:sldMasterId id="2147483648" r:id="rId1"/>
   </p:sldMasterIdLst>
   <p:notesMasterIdLst>
-    <p:notesMasterId r:id="rId12"/>
+    <p:notesMasterId r:id="rId17"/>
   </p:notesMasterIdLst>
   <p:sldIdLst>
     <p:sldId id="256" r:id="rId2"/>
@@ -18,6 +18,11 @@
     <p:sldId id="262" r:id="rId9"/>
     <p:sldId id="260" r:id="rId10"/>
     <p:sldId id="261" r:id="rId11"/>
+    <p:sldId id="266" r:id="rId12"/>
+    <p:sldId id="268" r:id="rId13"/>
+    <p:sldId id="267" r:id="rId14"/>
+    <p:sldId id="269" r:id="rId15"/>
+    <p:sldId id="270" r:id="rId16"/>
   </p:sldIdLst>
   <p:sldSz cx="12192000" cy="6858000"/>
   <p:notesSz cx="6858000" cy="9144000"/>
@@ -116,6 +121,11 @@
       </a:defRPr>
     </a:lvl9pPr>
   </p:defaultTextStyle>
+  <p:extLst>
+    <p:ext uri="{EFAFB233-063F-42B5-8137-9DF3F51BA10A}">
+      <p15:sldGuideLst xmlns:p15="http://schemas.microsoft.com/office/powerpoint/2012/main"/>
+    </p:ext>
+  </p:extLst>
 </p:presentation>
 </file>
 
@@ -201,7 +211,7 @@
           <a:p>
             <a:fld id="{F1494422-9827-4A89-80F0-4270A60F7932}" type="datetimeFigureOut">
               <a:rPr lang="zh-CN" altLang="en-US" smtClean="0"/>
-              <a:t>2025/12/28</a:t>
+              <a:t>2025/12/29</a:t>
             </a:fld>
             <a:endParaRPr lang="zh-CN" altLang="en-US"/>
           </a:p>
@@ -703,7 +713,7 @@
           <a:p>
             <a:fld id="{436B656E-984F-4061-B50B-243191DB476F}" type="datetimeFigureOut">
               <a:rPr lang="zh-CN" altLang="en-US" smtClean="0"/>
-              <a:t>2025/12/28</a:t>
+              <a:t>2025/12/29</a:t>
             </a:fld>
             <a:endParaRPr lang="zh-CN" altLang="en-US"/>
           </a:p>
@@ -901,7 +911,7 @@
           <a:p>
             <a:fld id="{436B656E-984F-4061-B50B-243191DB476F}" type="datetimeFigureOut">
               <a:rPr lang="zh-CN" altLang="en-US" smtClean="0"/>
-              <a:t>2025/12/28</a:t>
+              <a:t>2025/12/29</a:t>
             </a:fld>
             <a:endParaRPr lang="zh-CN" altLang="en-US"/>
           </a:p>
@@ -1109,7 +1119,7 @@
           <a:p>
             <a:fld id="{436B656E-984F-4061-B50B-243191DB476F}" type="datetimeFigureOut">
               <a:rPr lang="zh-CN" altLang="en-US" smtClean="0"/>
-              <a:t>2025/12/28</a:t>
+              <a:t>2025/12/29</a:t>
             </a:fld>
             <a:endParaRPr lang="zh-CN" altLang="en-US"/>
           </a:p>
@@ -1307,7 +1317,7 @@
           <a:p>
             <a:fld id="{436B656E-984F-4061-B50B-243191DB476F}" type="datetimeFigureOut">
               <a:rPr lang="zh-CN" altLang="en-US" smtClean="0"/>
-              <a:t>2025/12/28</a:t>
+              <a:t>2025/12/29</a:t>
             </a:fld>
             <a:endParaRPr lang="zh-CN" altLang="en-US"/>
           </a:p>
@@ -1582,7 +1592,7 @@
           <a:p>
             <a:fld id="{436B656E-984F-4061-B50B-243191DB476F}" type="datetimeFigureOut">
               <a:rPr lang="zh-CN" altLang="en-US" smtClean="0"/>
-              <a:t>2025/12/28</a:t>
+              <a:t>2025/12/29</a:t>
             </a:fld>
             <a:endParaRPr lang="zh-CN" altLang="en-US"/>
           </a:p>
@@ -1847,7 +1857,7 @@
           <a:p>
             <a:fld id="{436B656E-984F-4061-B50B-243191DB476F}" type="datetimeFigureOut">
               <a:rPr lang="zh-CN" altLang="en-US" smtClean="0"/>
-              <a:t>2025/12/28</a:t>
+              <a:t>2025/12/29</a:t>
             </a:fld>
             <a:endParaRPr lang="zh-CN" altLang="en-US"/>
           </a:p>
@@ -2259,7 +2269,7 @@
           <a:p>
             <a:fld id="{436B656E-984F-4061-B50B-243191DB476F}" type="datetimeFigureOut">
               <a:rPr lang="zh-CN" altLang="en-US" smtClean="0"/>
-              <a:t>2025/12/28</a:t>
+              <a:t>2025/12/29</a:t>
             </a:fld>
             <a:endParaRPr lang="zh-CN" altLang="en-US"/>
           </a:p>
@@ -2400,7 +2410,7 @@
           <a:p>
             <a:fld id="{436B656E-984F-4061-B50B-243191DB476F}" type="datetimeFigureOut">
               <a:rPr lang="zh-CN" altLang="en-US" smtClean="0"/>
-              <a:t>2025/12/28</a:t>
+              <a:t>2025/12/29</a:t>
             </a:fld>
             <a:endParaRPr lang="zh-CN" altLang="en-US"/>
           </a:p>
@@ -2513,7 +2523,7 @@
           <a:p>
             <a:fld id="{436B656E-984F-4061-B50B-243191DB476F}" type="datetimeFigureOut">
               <a:rPr lang="zh-CN" altLang="en-US" smtClean="0"/>
-              <a:t>2025/12/28</a:t>
+              <a:t>2025/12/29</a:t>
             </a:fld>
             <a:endParaRPr lang="zh-CN" altLang="en-US"/>
           </a:p>
@@ -2824,7 +2834,7 @@
           <a:p>
             <a:fld id="{436B656E-984F-4061-B50B-243191DB476F}" type="datetimeFigureOut">
               <a:rPr lang="zh-CN" altLang="en-US" smtClean="0"/>
-              <a:t>2025/12/28</a:t>
+              <a:t>2025/12/29</a:t>
             </a:fld>
             <a:endParaRPr lang="zh-CN" altLang="en-US"/>
           </a:p>
@@ -3112,7 +3122,7 @@
           <a:p>
             <a:fld id="{436B656E-984F-4061-B50B-243191DB476F}" type="datetimeFigureOut">
               <a:rPr lang="zh-CN" altLang="en-US" smtClean="0"/>
-              <a:t>2025/12/28</a:t>
+              <a:t>2025/12/29</a:t>
             </a:fld>
             <a:endParaRPr lang="zh-CN" altLang="en-US"/>
           </a:p>
@@ -3353,7 +3363,7 @@
           <a:p>
             <a:fld id="{436B656E-984F-4061-B50B-243191DB476F}" type="datetimeFigureOut">
               <a:rPr lang="zh-CN" altLang="en-US" smtClean="0"/>
-              <a:t>2025/12/28</a:t>
+              <a:t>2025/12/29</a:t>
             </a:fld>
             <a:endParaRPr lang="zh-CN" altLang="en-US"/>
           </a:p>
@@ -4028,6 +4038,889 @@
 </p:sld>
 </file>
 
+<file path=ppt/slides/slide11.xml><?xml version="1.0" encoding="utf-8"?>
+<p:sld xmlns:a="http://schemas.openxmlformats.org/drawingml/2006/main" xmlns:r="http://schemas.openxmlformats.org/officeDocument/2006/relationships" xmlns:p="http://schemas.openxmlformats.org/presentationml/2006/main">
+  <p:cSld>
+    <p:spTree>
+      <p:nvGrpSpPr>
+        <p:cNvPr id="1" name=""/>
+        <p:cNvGrpSpPr/>
+        <p:nvPr/>
+      </p:nvGrpSpPr>
+      <p:grpSpPr>
+        <a:xfrm>
+          <a:off x="0" y="0"/>
+          <a:ext cx="0" cy="0"/>
+          <a:chOff x="0" y="0"/>
+          <a:chExt cx="0" cy="0"/>
+        </a:xfrm>
+      </p:grpSpPr>
+      <p:sp>
+        <p:nvSpPr>
+          <p:cNvPr id="2" name="Title 1">
+            <a:extLst>
+              <a:ext uri="{FF2B5EF4-FFF2-40B4-BE49-F238E27FC236}">
+                <a16:creationId xmlns:a16="http://schemas.microsoft.com/office/drawing/2014/main" id="{C99CE8A8-D987-D0AD-7EC7-189ABCAE583D}"/>
+              </a:ext>
+            </a:extLst>
+          </p:cNvPr>
+          <p:cNvSpPr>
+            <a:spLocks noGrp="1"/>
+          </p:cNvSpPr>
+          <p:nvPr>
+            <p:ph type="title"/>
+          </p:nvPr>
+        </p:nvSpPr>
+        <p:spPr/>
+        <p:txBody>
+          <a:bodyPr/>
+          <a:lstStyle/>
+          <a:p>
+            <a:r>
+              <a:rPr lang="en-CN" dirty="0"/>
+              <a:t>Demo-add new feature for comparison </a:t>
+            </a:r>
+          </a:p>
+        </p:txBody>
+      </p:sp>
+      <p:pic>
+        <p:nvPicPr>
+          <p:cNvPr id="5" name="Content Placeholder 4">
+            <a:extLst>
+              <a:ext uri="{FF2B5EF4-FFF2-40B4-BE49-F238E27FC236}">
+                <a16:creationId xmlns:a16="http://schemas.microsoft.com/office/drawing/2014/main" id="{4A3AD0DD-ABE6-73F1-81A0-45C295A5F3A1}"/>
+              </a:ext>
+            </a:extLst>
+          </p:cNvPr>
+          <p:cNvPicPr>
+            <a:picLocks noGrp="1" noChangeAspect="1"/>
+          </p:cNvPicPr>
+          <p:nvPr>
+            <p:ph idx="1"/>
+          </p:nvPr>
+        </p:nvPicPr>
+        <p:blipFill>
+          <a:blip r:embed="rId2">
+            <a:extLst>
+              <a:ext uri="{28A0092B-C50C-407E-A947-70E740481C1C}">
+                <a14:useLocalDpi xmlns:a14="http://schemas.microsoft.com/office/drawing/2010/main" val="0"/>
+              </a:ext>
+            </a:extLst>
+          </a:blip>
+          <a:stretch>
+            <a:fillRect/>
+          </a:stretch>
+        </p:blipFill>
+        <p:spPr>
+          <a:xfrm>
+            <a:off x="218079" y="1431077"/>
+            <a:ext cx="5552552" cy="4351338"/>
+          </a:xfrm>
+        </p:spPr>
+      </p:pic>
+      <p:pic>
+        <p:nvPicPr>
+          <p:cNvPr id="7" name="Picture 6">
+            <a:extLst>
+              <a:ext uri="{FF2B5EF4-FFF2-40B4-BE49-F238E27FC236}">
+                <a16:creationId xmlns:a16="http://schemas.microsoft.com/office/drawing/2014/main" id="{541AA9A6-AD63-C36E-32BF-3AA4B3A669DD}"/>
+              </a:ext>
+            </a:extLst>
+          </p:cNvPr>
+          <p:cNvPicPr>
+            <a:picLocks noChangeAspect="1"/>
+          </p:cNvPicPr>
+          <p:nvPr/>
+        </p:nvPicPr>
+        <p:blipFill>
+          <a:blip r:embed="rId3">
+            <a:extLst>
+              <a:ext uri="{28A0092B-C50C-407E-A947-70E740481C1C}">
+                <a14:useLocalDpi xmlns:a14="http://schemas.microsoft.com/office/drawing/2010/main" val="0"/>
+              </a:ext>
+            </a:extLst>
+          </a:blip>
+          <a:stretch>
+            <a:fillRect/>
+          </a:stretch>
+        </p:blipFill>
+        <p:spPr>
+          <a:xfrm>
+            <a:off x="5770631" y="1358463"/>
+            <a:ext cx="7163460" cy="5499537"/>
+          </a:xfrm>
+          <a:prstGeom prst="rect">
+            <a:avLst/>
+          </a:prstGeom>
+        </p:spPr>
+      </p:pic>
+      <p:pic>
+        <p:nvPicPr>
+          <p:cNvPr id="9" name="Picture 8">
+            <a:extLst>
+              <a:ext uri="{FF2B5EF4-FFF2-40B4-BE49-F238E27FC236}">
+                <a16:creationId xmlns:a16="http://schemas.microsoft.com/office/drawing/2014/main" id="{1A166146-56C5-9620-94E4-BC74C062BA14}"/>
+              </a:ext>
+            </a:extLst>
+          </p:cNvPr>
+          <p:cNvPicPr>
+            <a:picLocks noChangeAspect="1"/>
+          </p:cNvPicPr>
+          <p:nvPr/>
+        </p:nvPicPr>
+        <p:blipFill>
+          <a:blip r:embed="rId4">
+            <a:extLst>
+              <a:ext uri="{28A0092B-C50C-407E-A947-70E740481C1C}">
+                <a14:useLocalDpi xmlns:a14="http://schemas.microsoft.com/office/drawing/2010/main" val="0"/>
+              </a:ext>
+            </a:extLst>
+          </a:blip>
+          <a:stretch>
+            <a:fillRect/>
+          </a:stretch>
+        </p:blipFill>
+        <p:spPr>
+          <a:xfrm>
+            <a:off x="275436" y="0"/>
+            <a:ext cx="7772400" cy="4578862"/>
+          </a:xfrm>
+          <a:prstGeom prst="rect">
+            <a:avLst/>
+          </a:prstGeom>
+        </p:spPr>
+      </p:pic>
+    </p:spTree>
+    <p:extLst>
+      <p:ext uri="{BB962C8B-B14F-4D97-AF65-F5344CB8AC3E}">
+        <p14:creationId xmlns:p14="http://schemas.microsoft.com/office/powerpoint/2010/main" val="1076705643"/>
+      </p:ext>
+    </p:extLst>
+  </p:cSld>
+  <p:clrMapOvr>
+    <a:masterClrMapping/>
+  </p:clrMapOvr>
+</p:sld>
+</file>
+
+<file path=ppt/slides/slide12.xml><?xml version="1.0" encoding="utf-8"?>
+<p:sld xmlns:a="http://schemas.openxmlformats.org/drawingml/2006/main" xmlns:r="http://schemas.openxmlformats.org/officeDocument/2006/relationships" xmlns:p="http://schemas.openxmlformats.org/presentationml/2006/main">
+  <p:cSld>
+    <p:spTree>
+      <p:nvGrpSpPr>
+        <p:cNvPr id="1" name=""/>
+        <p:cNvGrpSpPr/>
+        <p:nvPr/>
+      </p:nvGrpSpPr>
+      <p:grpSpPr>
+        <a:xfrm>
+          <a:off x="0" y="0"/>
+          <a:ext cx="0" cy="0"/>
+          <a:chOff x="0" y="0"/>
+          <a:chExt cx="0" cy="0"/>
+        </a:xfrm>
+      </p:grpSpPr>
+      <p:sp>
+        <p:nvSpPr>
+          <p:cNvPr id="2" name="Title 1">
+            <a:extLst>
+              <a:ext uri="{FF2B5EF4-FFF2-40B4-BE49-F238E27FC236}">
+                <a16:creationId xmlns:a16="http://schemas.microsoft.com/office/drawing/2014/main" id="{C99CE8A8-D987-D0AD-7EC7-189ABCAE583D}"/>
+              </a:ext>
+            </a:extLst>
+          </p:cNvPr>
+          <p:cNvSpPr>
+            <a:spLocks noGrp="1"/>
+          </p:cNvSpPr>
+          <p:nvPr>
+            <p:ph type="title"/>
+          </p:nvPr>
+        </p:nvSpPr>
+        <p:spPr/>
+        <p:txBody>
+          <a:bodyPr/>
+          <a:lstStyle/>
+          <a:p>
+            <a:r>
+              <a:rPr lang="en-CN" dirty="0"/>
+              <a:t>Demo-add new feature for comparison </a:t>
+            </a:r>
+          </a:p>
+        </p:txBody>
+      </p:sp>
+      <p:pic>
+        <p:nvPicPr>
+          <p:cNvPr id="5" name="Content Placeholder 4">
+            <a:extLst>
+              <a:ext uri="{FF2B5EF4-FFF2-40B4-BE49-F238E27FC236}">
+                <a16:creationId xmlns:a16="http://schemas.microsoft.com/office/drawing/2014/main" id="{4A3AD0DD-ABE6-73F1-81A0-45C295A5F3A1}"/>
+              </a:ext>
+            </a:extLst>
+          </p:cNvPr>
+          <p:cNvPicPr>
+            <a:picLocks noGrp="1" noChangeAspect="1"/>
+          </p:cNvPicPr>
+          <p:nvPr>
+            <p:ph idx="1"/>
+          </p:nvPr>
+        </p:nvPicPr>
+        <p:blipFill>
+          <a:blip r:embed="rId2">
+            <a:extLst>
+              <a:ext uri="{28A0092B-C50C-407E-A947-70E740481C1C}">
+                <a14:useLocalDpi xmlns:a14="http://schemas.microsoft.com/office/drawing/2010/main" val="0"/>
+              </a:ext>
+            </a:extLst>
+          </a:blip>
+          <a:stretch>
+            <a:fillRect/>
+          </a:stretch>
+        </p:blipFill>
+        <p:spPr>
+          <a:xfrm>
+            <a:off x="218079" y="1431077"/>
+            <a:ext cx="5552552" cy="4351338"/>
+          </a:xfrm>
+        </p:spPr>
+      </p:pic>
+      <p:pic>
+        <p:nvPicPr>
+          <p:cNvPr id="7" name="Picture 6">
+            <a:extLst>
+              <a:ext uri="{FF2B5EF4-FFF2-40B4-BE49-F238E27FC236}">
+                <a16:creationId xmlns:a16="http://schemas.microsoft.com/office/drawing/2014/main" id="{541AA9A6-AD63-C36E-32BF-3AA4B3A669DD}"/>
+              </a:ext>
+            </a:extLst>
+          </p:cNvPr>
+          <p:cNvPicPr>
+            <a:picLocks noChangeAspect="1"/>
+          </p:cNvPicPr>
+          <p:nvPr/>
+        </p:nvPicPr>
+        <p:blipFill>
+          <a:blip r:embed="rId3">
+            <a:extLst>
+              <a:ext uri="{28A0092B-C50C-407E-A947-70E740481C1C}">
+                <a14:useLocalDpi xmlns:a14="http://schemas.microsoft.com/office/drawing/2010/main" val="0"/>
+              </a:ext>
+            </a:extLst>
+          </a:blip>
+          <a:stretch>
+            <a:fillRect/>
+          </a:stretch>
+        </p:blipFill>
+        <p:spPr>
+          <a:xfrm>
+            <a:off x="5770631" y="1358463"/>
+            <a:ext cx="7163460" cy="5499537"/>
+          </a:xfrm>
+          <a:prstGeom prst="rect">
+            <a:avLst/>
+          </a:prstGeom>
+        </p:spPr>
+      </p:pic>
+      <p:pic>
+        <p:nvPicPr>
+          <p:cNvPr id="9" name="Picture 8">
+            <a:extLst>
+              <a:ext uri="{FF2B5EF4-FFF2-40B4-BE49-F238E27FC236}">
+                <a16:creationId xmlns:a16="http://schemas.microsoft.com/office/drawing/2014/main" id="{1A166146-56C5-9620-94E4-BC74C062BA14}"/>
+              </a:ext>
+            </a:extLst>
+          </p:cNvPr>
+          <p:cNvPicPr>
+            <a:picLocks noChangeAspect="1"/>
+          </p:cNvPicPr>
+          <p:nvPr/>
+        </p:nvPicPr>
+        <p:blipFill>
+          <a:blip r:embed="rId4">
+            <a:extLst>
+              <a:ext uri="{28A0092B-C50C-407E-A947-70E740481C1C}">
+                <a14:useLocalDpi xmlns:a14="http://schemas.microsoft.com/office/drawing/2010/main" val="0"/>
+              </a:ext>
+            </a:extLst>
+          </a:blip>
+          <a:stretch>
+            <a:fillRect/>
+          </a:stretch>
+        </p:blipFill>
+        <p:spPr>
+          <a:xfrm>
+            <a:off x="3581400" y="1818800"/>
+            <a:ext cx="7772400" cy="4578862"/>
+          </a:xfrm>
+          <a:prstGeom prst="rect">
+            <a:avLst/>
+          </a:prstGeom>
+        </p:spPr>
+      </p:pic>
+    </p:spTree>
+    <p:extLst>
+      <p:ext uri="{BB962C8B-B14F-4D97-AF65-F5344CB8AC3E}">
+        <p14:creationId xmlns:p14="http://schemas.microsoft.com/office/powerpoint/2010/main" val="2320021270"/>
+      </p:ext>
+    </p:extLst>
+  </p:cSld>
+  <p:clrMapOvr>
+    <a:masterClrMapping/>
+  </p:clrMapOvr>
+</p:sld>
+</file>
+
+<file path=ppt/slides/slide13.xml><?xml version="1.0" encoding="utf-8"?>
+<p:sld xmlns:a="http://schemas.openxmlformats.org/drawingml/2006/main" xmlns:r="http://schemas.openxmlformats.org/officeDocument/2006/relationships" xmlns:p="http://schemas.openxmlformats.org/presentationml/2006/main">
+  <p:cSld>
+    <p:spTree>
+      <p:nvGrpSpPr>
+        <p:cNvPr id="1" name=""/>
+        <p:cNvGrpSpPr/>
+        <p:nvPr/>
+      </p:nvGrpSpPr>
+      <p:grpSpPr>
+        <a:xfrm>
+          <a:off x="0" y="0"/>
+          <a:ext cx="0" cy="0"/>
+          <a:chOff x="0" y="0"/>
+          <a:chExt cx="0" cy="0"/>
+        </a:xfrm>
+      </p:grpSpPr>
+      <p:sp>
+        <p:nvSpPr>
+          <p:cNvPr id="2" name="Title 1">
+            <a:extLst>
+              <a:ext uri="{FF2B5EF4-FFF2-40B4-BE49-F238E27FC236}">
+                <a16:creationId xmlns:a16="http://schemas.microsoft.com/office/drawing/2014/main" id="{67AED0C8-A87C-4556-2153-B4B107F6F114}"/>
+              </a:ext>
+            </a:extLst>
+          </p:cNvPr>
+          <p:cNvSpPr>
+            <a:spLocks noGrp="1"/>
+          </p:cNvSpPr>
+          <p:nvPr>
+            <p:ph type="title"/>
+          </p:nvPr>
+        </p:nvSpPr>
+        <p:spPr/>
+        <p:txBody>
+          <a:bodyPr/>
+          <a:lstStyle/>
+          <a:p>
+            <a:endParaRPr lang="en-CN"/>
+          </a:p>
+        </p:txBody>
+      </p:sp>
+      <p:pic>
+        <p:nvPicPr>
+          <p:cNvPr id="5" name="Content Placeholder 4">
+            <a:extLst>
+              <a:ext uri="{FF2B5EF4-FFF2-40B4-BE49-F238E27FC236}">
+                <a16:creationId xmlns:a16="http://schemas.microsoft.com/office/drawing/2014/main" id="{FE7DCCC6-C611-5E57-98A2-77288A94DCD6}"/>
+              </a:ext>
+            </a:extLst>
+          </p:cNvPr>
+          <p:cNvPicPr>
+            <a:picLocks noGrp="1" noChangeAspect="1"/>
+          </p:cNvPicPr>
+          <p:nvPr>
+            <p:ph idx="1"/>
+          </p:nvPr>
+        </p:nvPicPr>
+        <p:blipFill>
+          <a:blip r:embed="rId2">
+            <a:extLst>
+              <a:ext uri="{28A0092B-C50C-407E-A947-70E740481C1C}">
+                <a14:useLocalDpi xmlns:a14="http://schemas.microsoft.com/office/drawing/2010/main" val="0"/>
+              </a:ext>
+            </a:extLst>
+          </a:blip>
+          <a:stretch>
+            <a:fillRect/>
+          </a:stretch>
+        </p:blipFill>
+        <p:spPr>
+          <a:xfrm>
+            <a:off x="2228852" y="1825625"/>
+            <a:ext cx="7734296" cy="4351338"/>
+          </a:xfrm>
+        </p:spPr>
+      </p:pic>
+    </p:spTree>
+    <p:extLst>
+      <p:ext uri="{BB962C8B-B14F-4D97-AF65-F5344CB8AC3E}">
+        <p14:creationId xmlns:p14="http://schemas.microsoft.com/office/powerpoint/2010/main" val="2290283242"/>
+      </p:ext>
+    </p:extLst>
+  </p:cSld>
+  <p:clrMapOvr>
+    <a:masterClrMapping/>
+  </p:clrMapOvr>
+</p:sld>
+</file>
+
+<file path=ppt/slides/slide14.xml><?xml version="1.0" encoding="utf-8"?>
+<p:sld xmlns:a="http://schemas.openxmlformats.org/drawingml/2006/main" xmlns:r="http://schemas.openxmlformats.org/officeDocument/2006/relationships" xmlns:p="http://schemas.openxmlformats.org/presentationml/2006/main">
+  <p:cSld>
+    <p:spTree>
+      <p:nvGrpSpPr>
+        <p:cNvPr id="1" name=""/>
+        <p:cNvGrpSpPr/>
+        <p:nvPr/>
+      </p:nvGrpSpPr>
+      <p:grpSpPr>
+        <a:xfrm>
+          <a:off x="0" y="0"/>
+          <a:ext cx="0" cy="0"/>
+          <a:chOff x="0" y="0"/>
+          <a:chExt cx="0" cy="0"/>
+        </a:xfrm>
+      </p:grpSpPr>
+      <p:sp>
+        <p:nvSpPr>
+          <p:cNvPr id="2" name="Title 1">
+            <a:extLst>
+              <a:ext uri="{FF2B5EF4-FFF2-40B4-BE49-F238E27FC236}">
+                <a16:creationId xmlns:a16="http://schemas.microsoft.com/office/drawing/2014/main" id="{3BDEC9AD-1058-00E7-26C1-D417DD2465D4}"/>
+              </a:ext>
+            </a:extLst>
+          </p:cNvPr>
+          <p:cNvSpPr>
+            <a:spLocks noGrp="1"/>
+          </p:cNvSpPr>
+          <p:nvPr>
+            <p:ph type="title"/>
+          </p:nvPr>
+        </p:nvSpPr>
+        <p:spPr/>
+        <p:txBody>
+          <a:bodyPr/>
+          <a:lstStyle/>
+          <a:p>
+            <a:r>
+              <a:rPr lang="en-US" dirty="0"/>
+              <a:t>Codebase Indexing: Cursor vs VS Code + Copilot</a:t>
+            </a:r>
+            <a:endParaRPr lang="en-CN" dirty="0"/>
+          </a:p>
+        </p:txBody>
+      </p:sp>
+      <p:sp>
+        <p:nvSpPr>
+          <p:cNvPr id="3" name="Content Placeholder 2">
+            <a:extLst>
+              <a:ext uri="{FF2B5EF4-FFF2-40B4-BE49-F238E27FC236}">
+                <a16:creationId xmlns:a16="http://schemas.microsoft.com/office/drawing/2014/main" id="{D9AE8DF6-A68A-18C7-FC60-BFDEBB58D380}"/>
+              </a:ext>
+            </a:extLst>
+          </p:cNvPr>
+          <p:cNvSpPr>
+            <a:spLocks noGrp="1"/>
+          </p:cNvSpPr>
+          <p:nvPr>
+            <p:ph idx="1"/>
+          </p:nvPr>
+        </p:nvSpPr>
+        <p:spPr>
+          <a:xfrm>
+            <a:off x="838201" y="1825625"/>
+            <a:ext cx="5455024" cy="3650017"/>
+          </a:xfrm>
+        </p:spPr>
+        <p:txBody>
+          <a:bodyPr>
+            <a:normAutofit/>
+          </a:bodyPr>
+          <a:lstStyle/>
+          <a:p>
+            <a:r>
+              <a:rPr lang="en-US" sz="1600" b="1" dirty="0"/>
+              <a:t>VS Code + GitHub Copilot</a:t>
+            </a:r>
+          </a:p>
+          <a:p>
+            <a:pPr>
+              <a:buFont typeface="Arial" panose="020B0604020202020204" pitchFamily="34" charset="0"/>
+              <a:buChar char="•"/>
+            </a:pPr>
+            <a:r>
+              <a:rPr lang="en-US" sz="1600" b="1" dirty="0"/>
+              <a:t>Context is on-demand and ephemeral</a:t>
+            </a:r>
+            <a:endParaRPr lang="en-US" sz="1600" dirty="0"/>
+          </a:p>
+          <a:p>
+            <a:pPr>
+              <a:buFont typeface="Arial" panose="020B0604020202020204" pitchFamily="34" charset="0"/>
+              <a:buChar char="•"/>
+            </a:pPr>
+            <a:r>
+              <a:rPr lang="en-US" sz="1600" dirty="0"/>
+              <a:t>Uses:</a:t>
+            </a:r>
+          </a:p>
+          <a:p>
+            <a:pPr marL="742950" lvl="1" indent="-285750">
+              <a:buFont typeface="Arial" panose="020B0604020202020204" pitchFamily="34" charset="0"/>
+              <a:buChar char="•"/>
+            </a:pPr>
+            <a:r>
+              <a:rPr lang="en-US" sz="1600" dirty="0"/>
+              <a:t>Open files</a:t>
+            </a:r>
+          </a:p>
+          <a:p>
+            <a:pPr marL="742950" lvl="1" indent="-285750">
+              <a:buFont typeface="Arial" panose="020B0604020202020204" pitchFamily="34" charset="0"/>
+              <a:buChar char="•"/>
+            </a:pPr>
+            <a:r>
+              <a:rPr lang="en-US" sz="1600" dirty="0"/>
+              <a:t>Selected code</a:t>
+            </a:r>
+          </a:p>
+          <a:p>
+            <a:pPr marL="742950" lvl="1" indent="-285750">
+              <a:buFont typeface="Arial" panose="020B0604020202020204" pitchFamily="34" charset="0"/>
+              <a:buChar char="•"/>
+            </a:pPr>
+            <a:r>
+              <a:rPr lang="en-US" sz="1600" dirty="0"/>
+              <a:t>Manually attached files in Copilot Chat</a:t>
+            </a:r>
+          </a:p>
+          <a:p>
+            <a:pPr>
+              <a:buFont typeface="Arial" panose="020B0604020202020204" pitchFamily="34" charset="0"/>
+              <a:buChar char="•"/>
+            </a:pPr>
+            <a:r>
+              <a:rPr lang="en-US" sz="1600" dirty="0"/>
+              <a:t>No explicit step to scan or index the entire repository</a:t>
+            </a:r>
+          </a:p>
+          <a:p>
+            <a:pPr>
+              <a:buFont typeface="Arial" panose="020B0604020202020204" pitchFamily="34" charset="0"/>
+              <a:buChar char="•"/>
+            </a:pPr>
+            <a:r>
+              <a:rPr lang="en-US" sz="1600" dirty="0"/>
+              <a:t>Cross-file reasoning depends heavily on </a:t>
+            </a:r>
+            <a:r>
+              <a:rPr lang="en-US" sz="1600" b="1" dirty="0"/>
+              <a:t>what the developer provides</a:t>
+            </a:r>
+            <a:endParaRPr lang="en-US" sz="1600" dirty="0"/>
+          </a:p>
+          <a:p>
+            <a:pPr>
+              <a:buFont typeface="Arial" panose="020B0604020202020204" pitchFamily="34" charset="0"/>
+              <a:buChar char="•"/>
+            </a:pPr>
+            <a:r>
+              <a:rPr lang="en-US" sz="1600" dirty="0"/>
+              <a:t>Well suited for </a:t>
+            </a:r>
+            <a:r>
+              <a:rPr lang="en-US" sz="1600" b="1" dirty="0"/>
+              <a:t>local edits, code completion, and guided refactors</a:t>
+            </a:r>
+            <a:endParaRPr lang="en-US" sz="1600" dirty="0"/>
+          </a:p>
+          <a:p>
+            <a:pPr marL="0" indent="0">
+              <a:buNone/>
+            </a:pPr>
+            <a:endParaRPr lang="en-CN" sz="1600" dirty="0"/>
+          </a:p>
+        </p:txBody>
+      </p:sp>
+      <p:sp>
+        <p:nvSpPr>
+          <p:cNvPr id="5" name="TextBox 4">
+            <a:extLst>
+              <a:ext uri="{FF2B5EF4-FFF2-40B4-BE49-F238E27FC236}">
+                <a16:creationId xmlns:a16="http://schemas.microsoft.com/office/drawing/2014/main" id="{E93A4D10-29E8-C106-DDE7-40AF61601EB6}"/>
+              </a:ext>
+            </a:extLst>
+          </p:cNvPr>
+          <p:cNvSpPr txBox="1"/>
+          <p:nvPr/>
+        </p:nvSpPr>
+        <p:spPr>
+          <a:xfrm>
+            <a:off x="6734288" y="1670910"/>
+            <a:ext cx="5319656" cy="3970318"/>
+          </a:xfrm>
+          <a:prstGeom prst="rect">
+            <a:avLst/>
+          </a:prstGeom>
+          <a:noFill/>
+        </p:spPr>
+        <p:txBody>
+          <a:bodyPr wrap="square">
+            <a:spAutoFit/>
+          </a:bodyPr>
+          <a:lstStyle/>
+          <a:p>
+            <a:r>
+              <a:rPr lang="en-US" b="1" dirty="0"/>
+              <a:t>Cursor</a:t>
+            </a:r>
+          </a:p>
+          <a:p>
+            <a:pPr>
+              <a:buFont typeface="Arial" panose="020B0604020202020204" pitchFamily="34" charset="0"/>
+              <a:buChar char="•"/>
+            </a:pPr>
+            <a:r>
+              <a:rPr lang="en-US" b="1" dirty="0"/>
+              <a:t>Builds a project-wide semantic index by default</a:t>
+            </a:r>
+            <a:endParaRPr lang="en-US" dirty="0"/>
+          </a:p>
+          <a:p>
+            <a:pPr>
+              <a:buFont typeface="Arial" panose="020B0604020202020204" pitchFamily="34" charset="0"/>
+              <a:buChar char="•"/>
+            </a:pPr>
+            <a:r>
+              <a:rPr lang="en-US" dirty="0"/>
+              <a:t>Scans and understands the entire repository when a project is opened</a:t>
+            </a:r>
+          </a:p>
+          <a:p>
+            <a:pPr>
+              <a:buFont typeface="Arial" panose="020B0604020202020204" pitchFamily="34" charset="0"/>
+              <a:buChar char="•"/>
+            </a:pPr>
+            <a:r>
+              <a:rPr lang="en-US" dirty="0"/>
+              <a:t>Automatically identifies related files, call chains, and dependencies</a:t>
+            </a:r>
+          </a:p>
+          <a:p>
+            <a:pPr>
+              <a:buFont typeface="Arial" panose="020B0604020202020204" pitchFamily="34" charset="0"/>
+              <a:buChar char="•"/>
+            </a:pPr>
+            <a:r>
+              <a:rPr lang="en-US" dirty="0"/>
+              <a:t>Enables AI to:</a:t>
+            </a:r>
+          </a:p>
+          <a:p>
+            <a:pPr marL="742950" lvl="1" indent="-285750">
+              <a:buFont typeface="Arial" panose="020B0604020202020204" pitchFamily="34" charset="0"/>
+              <a:buChar char="•"/>
+            </a:pPr>
+            <a:r>
+              <a:rPr lang="en-US" dirty="0"/>
+              <a:t>Answer questions across the whole codebase</a:t>
+            </a:r>
+          </a:p>
+          <a:p>
+            <a:pPr marL="742950" lvl="1" indent="-285750">
+              <a:buFont typeface="Arial" panose="020B0604020202020204" pitchFamily="34" charset="0"/>
+              <a:buChar char="•"/>
+            </a:pPr>
+            <a:r>
+              <a:rPr lang="en-US" dirty="0"/>
+              <a:t>Plan and apply multi-file changes</a:t>
+            </a:r>
+          </a:p>
+          <a:p>
+            <a:pPr marL="742950" lvl="1" indent="-285750">
+              <a:buFont typeface="Arial" panose="020B0604020202020204" pitchFamily="34" charset="0"/>
+              <a:buChar char="•"/>
+            </a:pPr>
+            <a:r>
+              <a:rPr lang="en-US" dirty="0"/>
+              <a:t>Perform large-scale refactors with consistent context</a:t>
+            </a:r>
+          </a:p>
+          <a:p>
+            <a:pPr>
+              <a:buFont typeface="Arial" panose="020B0604020202020204" pitchFamily="34" charset="0"/>
+              <a:buChar char="•"/>
+            </a:pPr>
+            <a:r>
+              <a:rPr lang="en-US" dirty="0"/>
+              <a:t>Treats the </a:t>
+            </a:r>
+            <a:r>
+              <a:rPr lang="en-US" b="1" dirty="0"/>
+              <a:t>entire codebase as the default unit of context</a:t>
+            </a:r>
+            <a:endParaRPr lang="en-US" dirty="0"/>
+          </a:p>
+        </p:txBody>
+      </p:sp>
+      <p:sp>
+        <p:nvSpPr>
+          <p:cNvPr id="7" name="TextBox 6">
+            <a:extLst>
+              <a:ext uri="{FF2B5EF4-FFF2-40B4-BE49-F238E27FC236}">
+                <a16:creationId xmlns:a16="http://schemas.microsoft.com/office/drawing/2014/main" id="{7CBDE02E-27E8-96F5-E349-10E1545548D6}"/>
+              </a:ext>
+            </a:extLst>
+          </p:cNvPr>
+          <p:cNvSpPr txBox="1"/>
+          <p:nvPr/>
+        </p:nvSpPr>
+        <p:spPr>
+          <a:xfrm>
+            <a:off x="2490395" y="5690106"/>
+            <a:ext cx="6099586" cy="923330"/>
+          </a:xfrm>
+          <a:prstGeom prst="rect">
+            <a:avLst/>
+          </a:prstGeom>
+          <a:noFill/>
+        </p:spPr>
+        <p:txBody>
+          <a:bodyPr wrap="square">
+            <a:spAutoFit/>
+          </a:bodyPr>
+          <a:lstStyle/>
+          <a:p>
+            <a:r>
+              <a:rPr lang="en-US" b="1" dirty="0"/>
+              <a:t>Key Difference</a:t>
+            </a:r>
+          </a:p>
+          <a:p>
+            <a:r>
+              <a:rPr lang="en-US" b="1" dirty="0"/>
+              <a:t>Copilot reasons over the context you give it.</a:t>
+            </a:r>
+            <a:br>
+              <a:rPr lang="en-US" b="1" dirty="0"/>
+            </a:br>
+            <a:r>
+              <a:rPr lang="en-US" b="1" dirty="0"/>
+              <a:t>Cursor reasons over the context it already understands.</a:t>
+            </a:r>
+            <a:endParaRPr lang="en-US" dirty="0"/>
+          </a:p>
+        </p:txBody>
+      </p:sp>
+    </p:spTree>
+    <p:extLst>
+      <p:ext uri="{BB962C8B-B14F-4D97-AF65-F5344CB8AC3E}">
+        <p14:creationId xmlns:p14="http://schemas.microsoft.com/office/powerpoint/2010/main" val="2034073512"/>
+      </p:ext>
+    </p:extLst>
+  </p:cSld>
+  <p:clrMapOvr>
+    <a:masterClrMapping/>
+  </p:clrMapOvr>
+</p:sld>
+</file>
+
+<file path=ppt/slides/slide15.xml><?xml version="1.0" encoding="utf-8"?>
+<p:sld xmlns:a="http://schemas.openxmlformats.org/drawingml/2006/main" xmlns:r="http://schemas.openxmlformats.org/officeDocument/2006/relationships" xmlns:p="http://schemas.openxmlformats.org/presentationml/2006/main">
+  <p:cSld>
+    <p:spTree>
+      <p:nvGrpSpPr>
+        <p:cNvPr id="1" name=""/>
+        <p:cNvGrpSpPr/>
+        <p:nvPr/>
+      </p:nvGrpSpPr>
+      <p:grpSpPr>
+        <a:xfrm>
+          <a:off x="0" y="0"/>
+          <a:ext cx="0" cy="0"/>
+          <a:chOff x="0" y="0"/>
+          <a:chExt cx="0" cy="0"/>
+        </a:xfrm>
+      </p:grpSpPr>
+      <p:pic>
+        <p:nvPicPr>
+          <p:cNvPr id="13" name="Picture 12">
+            <a:extLst>
+              <a:ext uri="{FF2B5EF4-FFF2-40B4-BE49-F238E27FC236}">
+                <a16:creationId xmlns:a16="http://schemas.microsoft.com/office/drawing/2014/main" id="{15585885-2B59-40B5-C6B2-A2A7C6420A2B}"/>
+              </a:ext>
+            </a:extLst>
+          </p:cNvPr>
+          <p:cNvPicPr>
+            <a:picLocks noChangeAspect="1"/>
+          </p:cNvPicPr>
+          <p:nvPr/>
+        </p:nvPicPr>
+        <p:blipFill>
+          <a:blip r:embed="rId2">
+            <a:extLst>
+              <a:ext uri="{28A0092B-C50C-407E-A947-70E740481C1C}">
+                <a14:useLocalDpi xmlns:a14="http://schemas.microsoft.com/office/drawing/2010/main" val="0"/>
+              </a:ext>
+            </a:extLst>
+          </a:blip>
+          <a:stretch>
+            <a:fillRect/>
+          </a:stretch>
+        </p:blipFill>
+        <p:spPr>
+          <a:xfrm>
+            <a:off x="161217" y="1420458"/>
+            <a:ext cx="6081864" cy="3538817"/>
+          </a:xfrm>
+          <a:prstGeom prst="rect">
+            <a:avLst/>
+          </a:prstGeom>
+        </p:spPr>
+      </p:pic>
+      <p:pic>
+        <p:nvPicPr>
+          <p:cNvPr id="15" name="Picture 14">
+            <a:extLst>
+              <a:ext uri="{FF2B5EF4-FFF2-40B4-BE49-F238E27FC236}">
+                <a16:creationId xmlns:a16="http://schemas.microsoft.com/office/drawing/2014/main" id="{5A14E02F-164B-11B3-0F2C-688BEC56AFF0}"/>
+              </a:ext>
+            </a:extLst>
+          </p:cNvPr>
+          <p:cNvPicPr>
+            <a:picLocks noChangeAspect="1"/>
+          </p:cNvPicPr>
+          <p:nvPr/>
+        </p:nvPicPr>
+        <p:blipFill>
+          <a:blip r:embed="rId3">
+            <a:extLst>
+              <a:ext uri="{28A0092B-C50C-407E-A947-70E740481C1C}">
+                <a14:useLocalDpi xmlns:a14="http://schemas.microsoft.com/office/drawing/2010/main" val="0"/>
+              </a:ext>
+            </a:extLst>
+          </a:blip>
+          <a:stretch>
+            <a:fillRect/>
+          </a:stretch>
+        </p:blipFill>
+        <p:spPr>
+          <a:xfrm>
+            <a:off x="6096000" y="1086521"/>
+            <a:ext cx="5863773" cy="4134331"/>
+          </a:xfrm>
+          <a:prstGeom prst="rect">
+            <a:avLst/>
+          </a:prstGeom>
+        </p:spPr>
+      </p:pic>
+    </p:spTree>
+    <p:extLst>
+      <p:ext uri="{BB962C8B-B14F-4D97-AF65-F5344CB8AC3E}">
+        <p14:creationId xmlns:p14="http://schemas.microsoft.com/office/powerpoint/2010/main" val="3290806477"/>
+      </p:ext>
+    </p:extLst>
+  </p:cSld>
+  <p:clrMapOvr>
+    <a:masterClrMapping/>
+  </p:clrMapOvr>
+</p:sld>
+</file>
+
 <file path=ppt/slides/slide2.xml><?xml version="1.0" encoding="utf-8"?>
 <p:sld xmlns:a="http://schemas.openxmlformats.org/drawingml/2006/main" xmlns:r="http://schemas.openxmlformats.org/officeDocument/2006/relationships" xmlns:p="http://schemas.openxmlformats.org/presentationml/2006/main">
   <p:cSld>
@@ -4061,16 +4954,23 @@
             <p:ph type="title"/>
           </p:nvPr>
         </p:nvSpPr>
-        <p:spPr/>
-        <p:txBody>
-          <a:bodyPr/>
+        <p:spPr>
+          <a:xfrm>
+            <a:off x="526228" y="96819"/>
+            <a:ext cx="10709238" cy="828340"/>
+          </a:xfrm>
+        </p:spPr>
+        <p:txBody>
+          <a:bodyPr>
+            <a:normAutofit/>
+          </a:bodyPr>
           <a:lstStyle/>
           <a:p>
             <a:r>
-              <a:rPr lang="en-US" altLang="zh-CN" dirty="0"/>
+              <a:rPr lang="en-US" altLang="zh-CN" sz="3200" dirty="0"/>
               <a:t>What Cursor</a:t>
             </a:r>
-            <a:endParaRPr lang="zh-CN" altLang="en-US" dirty="0"/>
+            <a:endParaRPr lang="zh-CN" altLang="en-US" sz="3200" dirty="0"/>
           </a:p>
         </p:txBody>
       </p:sp>
@@ -4090,31 +4990,59 @@
             <p:ph idx="1"/>
           </p:nvPr>
         </p:nvSpPr>
-        <p:spPr/>
-        <p:txBody>
-          <a:bodyPr/>
+        <p:spPr>
+          <a:xfrm>
+            <a:off x="526228" y="1083346"/>
+            <a:ext cx="11178092" cy="4833359"/>
+          </a:xfrm>
+        </p:spPr>
+        <p:txBody>
+          <a:bodyPr>
+            <a:normAutofit/>
+          </a:bodyPr>
           <a:lstStyle/>
           <a:p>
             <a:pPr marL="0" indent="0">
               <a:buNone/>
             </a:pPr>
             <a:r>
-              <a:rPr lang="en-US" altLang="zh-CN" b="1" dirty="0"/>
+              <a:rPr lang="en-US" altLang="zh-CN" sz="2000" b="1" dirty="0"/>
               <a:t>Cursor</a:t>
             </a:r>
             <a:r>
-              <a:rPr lang="en-US" altLang="zh-CN" dirty="0"/>
+              <a:rPr lang="en-US" altLang="zh-CN" sz="2000" dirty="0"/>
               <a:t> is an AI-native code editor built by </a:t>
             </a:r>
             <a:r>
-              <a:rPr lang="en-US" altLang="zh-CN" dirty="0" err="1"/>
+              <a:rPr lang="en-US" altLang="zh-CN" sz="2000" dirty="0" err="1"/>
               <a:t>Anysphere</a:t>
             </a:r>
             <a:r>
-              <a:rPr lang="en-US" altLang="zh-CN" dirty="0"/>
-              <a:t> that forked VS Code to gain architectural control impossible through extensions. Unlike GitHub Copilot (which operates as a plugin), Cursor can rewrite the editor itself—enabling features like Shadow Workspace verification, inline diffs, and multi-file edits that extensions cannot replicate. It reached $1B ARR in 24 months at a $29B valuation, making it the fastest-growing SaaS company in history.</a:t>
-            </a:r>
-            <a:endParaRPr lang="zh-CN" altLang="en-US" dirty="0"/>
+              <a:rPr lang="en-US" altLang="zh-CN" sz="2000" dirty="0"/>
+              <a:t> that forked VS Code to gain architectural control impossible through extensions. </a:t>
+            </a:r>
+          </a:p>
+          <a:p>
+            <a:pPr marL="0" indent="0">
+              <a:buNone/>
+            </a:pPr>
+            <a:endParaRPr lang="en-US" altLang="zh-CN" sz="2000" dirty="0"/>
+          </a:p>
+          <a:p>
+            <a:pPr marL="0" indent="0">
+              <a:buNone/>
+            </a:pPr>
+            <a:endParaRPr lang="en-US" altLang="zh-CN" sz="2000" dirty="0"/>
+          </a:p>
+          <a:p>
+            <a:pPr marL="0" indent="0">
+              <a:buNone/>
+            </a:pPr>
+            <a:r>
+              <a:rPr lang="en-US" altLang="zh-CN" sz="2000" dirty="0"/>
+              <a:t>Unlike GitHub Copilot (which operates as a plugin), Cursor can rewrite the editor itself—enabling features like Shadow Workspace verification, inline diffs, and multi-file edits that extensions cannot replicate. It reached $1B ARR in 24 months at a $29B valuation, making it the fastest-growing SaaS company in history.</a:t>
+            </a:r>
+            <a:endParaRPr lang="zh-CN" altLang="en-US" sz="2000" dirty="0"/>
           </a:p>
         </p:txBody>
       </p:sp>

--- a/cursor_intro.pptx
+++ b/cursor_intro.pptx
@@ -5,7 +5,7 @@
     <p:sldMasterId id="2147483648" r:id="rId1"/>
   </p:sldMasterIdLst>
   <p:notesMasterIdLst>
-    <p:notesMasterId r:id="rId17"/>
+    <p:notesMasterId r:id="rId20"/>
   </p:notesMasterIdLst>
   <p:sldIdLst>
     <p:sldId id="256" r:id="rId2"/>
@@ -23,6 +23,9 @@
     <p:sldId id="267" r:id="rId14"/>
     <p:sldId id="269" r:id="rId15"/>
     <p:sldId id="270" r:id="rId16"/>
+    <p:sldId id="271" r:id="rId17"/>
+    <p:sldId id="272" r:id="rId18"/>
+    <p:sldId id="273" r:id="rId19"/>
   </p:sldIdLst>
   <p:sldSz cx="12192000" cy="6858000"/>
   <p:notesSz cx="6858000" cy="9144000"/>
@@ -211,7 +214,7 @@
           <a:p>
             <a:fld id="{F1494422-9827-4A89-80F0-4270A60F7932}" type="datetimeFigureOut">
               <a:rPr lang="zh-CN" altLang="en-US" smtClean="0"/>
-              <a:t>2025/12/29</a:t>
+              <a:t>2026/1/2</a:t>
             </a:fld>
             <a:endParaRPr lang="zh-CN" altLang="en-US"/>
           </a:p>
@@ -566,6 +569,110 @@
 </p:notes>
 </file>
 
+<file path=ppt/notesSlides/notesSlide2.xml><?xml version="1.0" encoding="utf-8"?>
+<p:notes xmlns:a="http://schemas.openxmlformats.org/drawingml/2006/main" xmlns:r="http://schemas.openxmlformats.org/officeDocument/2006/relationships" xmlns:p="http://schemas.openxmlformats.org/presentationml/2006/main">
+  <p:cSld>
+    <p:spTree>
+      <p:nvGrpSpPr>
+        <p:cNvPr id="1" name=""/>
+        <p:cNvGrpSpPr/>
+        <p:nvPr/>
+      </p:nvGrpSpPr>
+      <p:grpSpPr>
+        <a:xfrm>
+          <a:off x="0" y="0"/>
+          <a:ext cx="0" cy="0"/>
+          <a:chOff x="0" y="0"/>
+          <a:chExt cx="0" cy="0"/>
+        </a:xfrm>
+      </p:grpSpPr>
+      <p:sp>
+        <p:nvSpPr>
+          <p:cNvPr id="2" name="Slide Image Placeholder 1"/>
+          <p:cNvSpPr>
+            <a:spLocks noGrp="1" noRot="1" noChangeAspect="1"/>
+          </p:cNvSpPr>
+          <p:nvPr>
+            <p:ph type="sldImg"/>
+          </p:nvPr>
+        </p:nvSpPr>
+        <p:spPr/>
+      </p:sp>
+      <p:sp>
+        <p:nvSpPr>
+          <p:cNvPr id="3" name="Notes Placeholder 2"/>
+          <p:cNvSpPr>
+            <a:spLocks noGrp="1"/>
+          </p:cNvSpPr>
+          <p:nvPr>
+            <p:ph type="body" idx="1"/>
+          </p:nvPr>
+        </p:nvSpPr>
+        <p:spPr/>
+        <p:txBody>
+          <a:bodyPr/>
+          <a:lstStyle/>
+          <a:p>
+            <a:r>
+              <a:rPr lang="en-US" dirty="0"/>
+              <a:t>https://</a:t>
+            </a:r>
+            <a:r>
+              <a:rPr lang="en-US" dirty="0" err="1"/>
+              <a:t>cursor.com</a:t>
+            </a:r>
+            <a:r>
+              <a:rPr lang="en-US" dirty="0"/>
+              <a:t>/</a:t>
+            </a:r>
+            <a:r>
+              <a:rPr lang="en-US" dirty="0" err="1"/>
+              <a:t>cn</a:t>
+            </a:r>
+            <a:r>
+              <a:rPr lang="en-US" dirty="0"/>
+              <a:t>/blog/debug-mode</a:t>
+            </a:r>
+            <a:endParaRPr lang="en-CN" dirty="0"/>
+          </a:p>
+        </p:txBody>
+      </p:sp>
+      <p:sp>
+        <p:nvSpPr>
+          <p:cNvPr id="4" name="Slide Number Placeholder 3"/>
+          <p:cNvSpPr>
+            <a:spLocks noGrp="1"/>
+          </p:cNvSpPr>
+          <p:nvPr>
+            <p:ph type="sldNum" sz="quarter" idx="5"/>
+          </p:nvPr>
+        </p:nvSpPr>
+        <p:spPr/>
+        <p:txBody>
+          <a:bodyPr/>
+          <a:lstStyle/>
+          <a:p>
+            <a:fld id="{B9DF05E0-1BF2-4D7A-B279-4F5023366DE6}" type="slidenum">
+              <a:rPr lang="zh-CN" altLang="en-US" smtClean="0"/>
+              <a:t>16</a:t>
+            </a:fld>
+            <a:endParaRPr lang="zh-CN" altLang="en-US"/>
+          </a:p>
+        </p:txBody>
+      </p:sp>
+    </p:spTree>
+    <p:extLst>
+      <p:ext uri="{BB962C8B-B14F-4D97-AF65-F5344CB8AC3E}">
+        <p14:creationId xmlns:p14="http://schemas.microsoft.com/office/powerpoint/2010/main" val="844467574"/>
+      </p:ext>
+    </p:extLst>
+  </p:cSld>
+  <p:clrMapOvr>
+    <a:masterClrMapping/>
+  </p:clrMapOvr>
+</p:notes>
+</file>
+
 <file path=ppt/slideLayouts/slideLayout1.xml><?xml version="1.0" encoding="utf-8"?>
 <p:sldLayout xmlns:a="http://schemas.openxmlformats.org/drawingml/2006/main" xmlns:r="http://schemas.openxmlformats.org/officeDocument/2006/relationships" xmlns:p="http://schemas.openxmlformats.org/presentationml/2006/main" type="title" preserve="1">
   <p:cSld name="标题幻灯片">
@@ -713,7 +820,7 @@
           <a:p>
             <a:fld id="{436B656E-984F-4061-B50B-243191DB476F}" type="datetimeFigureOut">
               <a:rPr lang="zh-CN" altLang="en-US" smtClean="0"/>
-              <a:t>2025/12/29</a:t>
+              <a:t>2026/1/2</a:t>
             </a:fld>
             <a:endParaRPr lang="zh-CN" altLang="en-US"/>
           </a:p>
@@ -911,7 +1018,7 @@
           <a:p>
             <a:fld id="{436B656E-984F-4061-B50B-243191DB476F}" type="datetimeFigureOut">
               <a:rPr lang="zh-CN" altLang="en-US" smtClean="0"/>
-              <a:t>2025/12/29</a:t>
+              <a:t>2026/1/2</a:t>
             </a:fld>
             <a:endParaRPr lang="zh-CN" altLang="en-US"/>
           </a:p>
@@ -1119,7 +1226,7 @@
           <a:p>
             <a:fld id="{436B656E-984F-4061-B50B-243191DB476F}" type="datetimeFigureOut">
               <a:rPr lang="zh-CN" altLang="en-US" smtClean="0"/>
-              <a:t>2025/12/29</a:t>
+              <a:t>2026/1/2</a:t>
             </a:fld>
             <a:endParaRPr lang="zh-CN" altLang="en-US"/>
           </a:p>
@@ -1317,7 +1424,7 @@
           <a:p>
             <a:fld id="{436B656E-984F-4061-B50B-243191DB476F}" type="datetimeFigureOut">
               <a:rPr lang="zh-CN" altLang="en-US" smtClean="0"/>
-              <a:t>2025/12/29</a:t>
+              <a:t>2026/1/2</a:t>
             </a:fld>
             <a:endParaRPr lang="zh-CN" altLang="en-US"/>
           </a:p>
@@ -1592,7 +1699,7 @@
           <a:p>
             <a:fld id="{436B656E-984F-4061-B50B-243191DB476F}" type="datetimeFigureOut">
               <a:rPr lang="zh-CN" altLang="en-US" smtClean="0"/>
-              <a:t>2025/12/29</a:t>
+              <a:t>2026/1/2</a:t>
             </a:fld>
             <a:endParaRPr lang="zh-CN" altLang="en-US"/>
           </a:p>
@@ -1857,7 +1964,7 @@
           <a:p>
             <a:fld id="{436B656E-984F-4061-B50B-243191DB476F}" type="datetimeFigureOut">
               <a:rPr lang="zh-CN" altLang="en-US" smtClean="0"/>
-              <a:t>2025/12/29</a:t>
+              <a:t>2026/1/2</a:t>
             </a:fld>
             <a:endParaRPr lang="zh-CN" altLang="en-US"/>
           </a:p>
@@ -2269,7 +2376,7 @@
           <a:p>
             <a:fld id="{436B656E-984F-4061-B50B-243191DB476F}" type="datetimeFigureOut">
               <a:rPr lang="zh-CN" altLang="en-US" smtClean="0"/>
-              <a:t>2025/12/29</a:t>
+              <a:t>2026/1/2</a:t>
             </a:fld>
             <a:endParaRPr lang="zh-CN" altLang="en-US"/>
           </a:p>
@@ -2410,7 +2517,7 @@
           <a:p>
             <a:fld id="{436B656E-984F-4061-B50B-243191DB476F}" type="datetimeFigureOut">
               <a:rPr lang="zh-CN" altLang="en-US" smtClean="0"/>
-              <a:t>2025/12/29</a:t>
+              <a:t>2026/1/2</a:t>
             </a:fld>
             <a:endParaRPr lang="zh-CN" altLang="en-US"/>
           </a:p>
@@ -2523,7 +2630,7 @@
           <a:p>
             <a:fld id="{436B656E-984F-4061-B50B-243191DB476F}" type="datetimeFigureOut">
               <a:rPr lang="zh-CN" altLang="en-US" smtClean="0"/>
-              <a:t>2025/12/29</a:t>
+              <a:t>2026/1/2</a:t>
             </a:fld>
             <a:endParaRPr lang="zh-CN" altLang="en-US"/>
           </a:p>
@@ -2834,7 +2941,7 @@
           <a:p>
             <a:fld id="{436B656E-984F-4061-B50B-243191DB476F}" type="datetimeFigureOut">
               <a:rPr lang="zh-CN" altLang="en-US" smtClean="0"/>
-              <a:t>2025/12/29</a:t>
+              <a:t>2026/1/2</a:t>
             </a:fld>
             <a:endParaRPr lang="zh-CN" altLang="en-US"/>
           </a:p>
@@ -3122,7 +3229,7 @@
           <a:p>
             <a:fld id="{436B656E-984F-4061-B50B-243191DB476F}" type="datetimeFigureOut">
               <a:rPr lang="zh-CN" altLang="en-US" smtClean="0"/>
-              <a:t>2025/12/29</a:t>
+              <a:t>2026/1/2</a:t>
             </a:fld>
             <a:endParaRPr lang="zh-CN" altLang="en-US"/>
           </a:p>
@@ -3363,7 +3470,7 @@
           <a:p>
             <a:fld id="{436B656E-984F-4061-B50B-243191DB476F}" type="datetimeFigureOut">
               <a:rPr lang="zh-CN" altLang="en-US" smtClean="0"/>
-              <a:t>2025/12/29</a:t>
+              <a:t>2026/1/2</a:t>
             </a:fld>
             <a:endParaRPr lang="zh-CN" altLang="en-US"/>
           </a:p>
@@ -4912,6 +5019,1098 @@
     <p:extLst>
       <p:ext uri="{BB962C8B-B14F-4D97-AF65-F5344CB8AC3E}">
         <p14:creationId xmlns:p14="http://schemas.microsoft.com/office/powerpoint/2010/main" val="3290806477"/>
+      </p:ext>
+    </p:extLst>
+  </p:cSld>
+  <p:clrMapOvr>
+    <a:masterClrMapping/>
+  </p:clrMapOvr>
+</p:sld>
+</file>
+
+<file path=ppt/slides/slide16.xml><?xml version="1.0" encoding="utf-8"?>
+<p:sld xmlns:a="http://schemas.openxmlformats.org/drawingml/2006/main" xmlns:r="http://schemas.openxmlformats.org/officeDocument/2006/relationships" xmlns:p="http://schemas.openxmlformats.org/presentationml/2006/main">
+  <p:cSld>
+    <p:spTree>
+      <p:nvGrpSpPr>
+        <p:cNvPr id="1" name=""/>
+        <p:cNvGrpSpPr/>
+        <p:nvPr/>
+      </p:nvGrpSpPr>
+      <p:grpSpPr>
+        <a:xfrm>
+          <a:off x="0" y="0"/>
+          <a:ext cx="0" cy="0"/>
+          <a:chOff x="0" y="0"/>
+          <a:chExt cx="0" cy="0"/>
+        </a:xfrm>
+      </p:grpSpPr>
+      <p:sp>
+        <p:nvSpPr>
+          <p:cNvPr id="2" name="Title 1">
+            <a:extLst>
+              <a:ext uri="{FF2B5EF4-FFF2-40B4-BE49-F238E27FC236}">
+                <a16:creationId xmlns:a16="http://schemas.microsoft.com/office/drawing/2014/main" id="{5D6049B7-B4B5-BD26-8C29-C16A9DB6C0A3}"/>
+              </a:ext>
+            </a:extLst>
+          </p:cNvPr>
+          <p:cNvSpPr>
+            <a:spLocks noGrp="1"/>
+          </p:cNvSpPr>
+          <p:nvPr>
+            <p:ph type="title"/>
+          </p:nvPr>
+        </p:nvSpPr>
+        <p:spPr>
+          <a:xfrm>
+            <a:off x="258896" y="26426"/>
+            <a:ext cx="9811439" cy="1000057"/>
+          </a:xfrm>
+        </p:spPr>
+        <p:txBody>
+          <a:bodyPr/>
+          <a:lstStyle/>
+          <a:p>
+            <a:r>
+              <a:rPr lang="en-US" dirty="0"/>
+              <a:t>debug mode</a:t>
+            </a:r>
+            <a:endParaRPr lang="en-CN" dirty="0"/>
+          </a:p>
+        </p:txBody>
+      </p:sp>
+      <p:sp>
+        <p:nvSpPr>
+          <p:cNvPr id="8" name="TextBox 7">
+            <a:extLst>
+              <a:ext uri="{FF2B5EF4-FFF2-40B4-BE49-F238E27FC236}">
+                <a16:creationId xmlns:a16="http://schemas.microsoft.com/office/drawing/2014/main" id="{03E87485-D0DB-199B-1C7C-169DFE1634F9}"/>
+              </a:ext>
+            </a:extLst>
+          </p:cNvPr>
+          <p:cNvSpPr txBox="1"/>
+          <p:nvPr/>
+        </p:nvSpPr>
+        <p:spPr>
+          <a:xfrm>
+            <a:off x="258896" y="1146624"/>
+            <a:ext cx="5837104" cy="940251"/>
+          </a:xfrm>
+          <a:prstGeom prst="rect">
+            <a:avLst/>
+          </a:prstGeom>
+          <a:noFill/>
+        </p:spPr>
+        <p:txBody>
+          <a:bodyPr wrap="square">
+            <a:spAutoFit/>
+          </a:bodyPr>
+          <a:lstStyle/>
+          <a:p>
+            <a:pPr algn="l"/>
+            <a:r>
+              <a:rPr lang="en-US" altLang="zh-CN" b="1" i="0" dirty="0">
+                <a:solidFill>
+                  <a:srgbClr val="26251E"/>
+                </a:solidFill>
+                <a:effectLst/>
+                <a:latin typeface="CursorGothic"/>
+              </a:rPr>
+              <a:t>1. </a:t>
+            </a:r>
+            <a:r>
+              <a:rPr lang="zh-CN" altLang="en-US" b="1" i="0" dirty="0">
+                <a:solidFill>
+                  <a:srgbClr val="26251E"/>
+                </a:solidFill>
+                <a:effectLst/>
+                <a:latin typeface="CursorGothic"/>
+              </a:rPr>
+              <a:t>描述该 </a:t>
+            </a:r>
+            <a:r>
+              <a:rPr lang="en-US" b="1" i="0" dirty="0">
+                <a:solidFill>
+                  <a:srgbClr val="26251E"/>
+                </a:solidFill>
+                <a:effectLst/>
+                <a:latin typeface="CursorGothic"/>
+              </a:rPr>
+              <a:t>bug</a:t>
+            </a:r>
+          </a:p>
+          <a:p>
+            <a:pPr algn="l"/>
+            <a:r>
+              <a:rPr lang="zh-CN" altLang="en-US" b="0" i="0" dirty="0">
+                <a:solidFill>
+                  <a:srgbClr val="26251E"/>
+                </a:solidFill>
+                <a:effectLst/>
+                <a:latin typeface="CursorGothic"/>
+              </a:rPr>
+              <a:t>首先，从下拉菜单中选择 </a:t>
+            </a:r>
+            <a:r>
+              <a:rPr lang="en-US" b="0" i="0" dirty="0">
+                <a:solidFill>
+                  <a:srgbClr val="26251E"/>
+                </a:solidFill>
+                <a:effectLst/>
+                <a:latin typeface="CursorGothic"/>
+              </a:rPr>
+              <a:t>Debug Mode，</a:t>
+            </a:r>
+            <a:r>
+              <a:rPr lang="zh-CN" altLang="en-US" b="0" i="0" dirty="0">
+                <a:solidFill>
+                  <a:srgbClr val="26251E"/>
+                </a:solidFill>
+                <a:effectLst/>
+                <a:latin typeface="CursorGothic"/>
+              </a:rPr>
+              <a:t>并尽可能详细地描述这个 </a:t>
+            </a:r>
+            <a:r>
+              <a:rPr lang="en-US" b="0" i="0" dirty="0">
+                <a:solidFill>
+                  <a:srgbClr val="26251E"/>
+                </a:solidFill>
+                <a:effectLst/>
+                <a:latin typeface="CursorGothic"/>
+              </a:rPr>
+              <a:t>bug。</a:t>
+            </a:r>
+          </a:p>
+        </p:txBody>
+      </p:sp>
+      <p:pic>
+        <p:nvPicPr>
+          <p:cNvPr id="10" name="Picture 9">
+            <a:extLst>
+              <a:ext uri="{FF2B5EF4-FFF2-40B4-BE49-F238E27FC236}">
+                <a16:creationId xmlns:a16="http://schemas.microsoft.com/office/drawing/2014/main" id="{63ABCD41-1C03-350D-1738-EBF64025A935}"/>
+              </a:ext>
+            </a:extLst>
+          </p:cNvPr>
+          <p:cNvPicPr>
+            <a:picLocks noChangeAspect="1"/>
+          </p:cNvPicPr>
+          <p:nvPr/>
+        </p:nvPicPr>
+        <p:blipFill>
+          <a:blip r:embed="rId3">
+            <a:extLst>
+              <a:ext uri="{28A0092B-C50C-407E-A947-70E740481C1C}">
+                <a14:useLocalDpi xmlns:a14="http://schemas.microsoft.com/office/drawing/2010/main" val="0"/>
+              </a:ext>
+            </a:extLst>
+          </a:blip>
+          <a:stretch>
+            <a:fillRect/>
+          </a:stretch>
+        </p:blipFill>
+        <p:spPr>
+          <a:xfrm>
+            <a:off x="228600" y="2190097"/>
+            <a:ext cx="5867400" cy="1892300"/>
+          </a:xfrm>
+          <a:prstGeom prst="rect">
+            <a:avLst/>
+          </a:prstGeom>
+        </p:spPr>
+      </p:pic>
+      <p:sp>
+        <p:nvSpPr>
+          <p:cNvPr id="14" name="TextBox 13">
+            <a:extLst>
+              <a:ext uri="{FF2B5EF4-FFF2-40B4-BE49-F238E27FC236}">
+                <a16:creationId xmlns:a16="http://schemas.microsoft.com/office/drawing/2014/main" id="{7C2B273C-9019-4646-3B5F-9F063546547A}"/>
+              </a:ext>
+            </a:extLst>
+          </p:cNvPr>
+          <p:cNvSpPr txBox="1"/>
+          <p:nvPr/>
+        </p:nvSpPr>
+        <p:spPr>
+          <a:xfrm>
+            <a:off x="6096000" y="1129704"/>
+            <a:ext cx="6097836" cy="1169551"/>
+          </a:xfrm>
+          <a:prstGeom prst="rect">
+            <a:avLst/>
+          </a:prstGeom>
+          <a:noFill/>
+        </p:spPr>
+        <p:txBody>
+          <a:bodyPr wrap="square">
+            <a:spAutoFit/>
+          </a:bodyPr>
+          <a:lstStyle/>
+          <a:p>
+            <a:pPr algn="l"/>
+            <a:r>
+              <a:rPr lang="zh-CN" altLang="en-US" sz="1400" b="0" i="0" dirty="0">
+                <a:solidFill>
+                  <a:srgbClr val="26251E"/>
+                </a:solidFill>
+                <a:effectLst/>
+                <a:latin typeface="CursorGothic"/>
+              </a:rPr>
+              <a:t>代理不会立即尝试生成修复方案，而是先通读你的代码库，并针对可能出错的地方提出多个假设。其中有些可能是你自己也会想到的思路，但另一些则很可能是你原本不会考虑的方法。</a:t>
+            </a:r>
+          </a:p>
+          <a:p>
+            <a:pPr algn="l"/>
+            <a:r>
+              <a:rPr lang="zh-CN" altLang="en-US" sz="1400" b="0" i="0" dirty="0">
+                <a:solidFill>
+                  <a:srgbClr val="26251E"/>
+                </a:solidFill>
+                <a:effectLst/>
+                <a:latin typeface="CursorGothic"/>
+              </a:rPr>
+              <a:t>接下来，代理会在你的代码中插入用于验证这些假设的日志记录语句，从而为在 </a:t>
+            </a:r>
+            <a:r>
+              <a:rPr lang="en-US" sz="1400" b="0" i="0" dirty="0">
+                <a:solidFill>
+                  <a:srgbClr val="26251E"/>
+                </a:solidFill>
+                <a:effectLst/>
+                <a:latin typeface="CursorGothic"/>
+              </a:rPr>
+              <a:t>bug </a:t>
+            </a:r>
+            <a:r>
+              <a:rPr lang="zh-CN" altLang="en-US" sz="1400" b="0" i="0" dirty="0">
+                <a:solidFill>
+                  <a:srgbClr val="26251E"/>
+                </a:solidFill>
+                <a:effectLst/>
+                <a:latin typeface="CursorGothic"/>
+              </a:rPr>
+              <a:t>发生时获取实际运行数据做好准备。</a:t>
+            </a:r>
+          </a:p>
+        </p:txBody>
+      </p:sp>
+      <p:pic>
+        <p:nvPicPr>
+          <p:cNvPr id="16" name="Picture 15">
+            <a:extLst>
+              <a:ext uri="{FF2B5EF4-FFF2-40B4-BE49-F238E27FC236}">
+                <a16:creationId xmlns:a16="http://schemas.microsoft.com/office/drawing/2014/main" id="{FFC4A6B9-98B6-5CCC-EAC1-E765D372408C}"/>
+              </a:ext>
+            </a:extLst>
+          </p:cNvPr>
+          <p:cNvPicPr>
+            <a:picLocks noChangeAspect="1"/>
+          </p:cNvPicPr>
+          <p:nvPr/>
+        </p:nvPicPr>
+        <p:blipFill>
+          <a:blip r:embed="rId4">
+            <a:extLst>
+              <a:ext uri="{28A0092B-C50C-407E-A947-70E740481C1C}">
+                <a14:useLocalDpi xmlns:a14="http://schemas.microsoft.com/office/drawing/2010/main" val="0"/>
+              </a:ext>
+            </a:extLst>
+          </a:blip>
+          <a:stretch>
+            <a:fillRect/>
+          </a:stretch>
+        </p:blipFill>
+        <p:spPr>
+          <a:xfrm>
+            <a:off x="6095999" y="2473263"/>
+            <a:ext cx="5867399" cy="4203961"/>
+          </a:xfrm>
+          <a:prstGeom prst="rect">
+            <a:avLst/>
+          </a:prstGeom>
+        </p:spPr>
+      </p:pic>
+    </p:spTree>
+    <p:extLst>
+      <p:ext uri="{BB962C8B-B14F-4D97-AF65-F5344CB8AC3E}">
+        <p14:creationId xmlns:p14="http://schemas.microsoft.com/office/powerpoint/2010/main" val="2857723982"/>
+      </p:ext>
+    </p:extLst>
+  </p:cSld>
+  <p:clrMapOvr>
+    <a:masterClrMapping/>
+  </p:clrMapOvr>
+</p:sld>
+</file>
+
+<file path=ppt/slides/slide17.xml><?xml version="1.0" encoding="utf-8"?>
+<p:sld xmlns:a="http://schemas.openxmlformats.org/drawingml/2006/main" xmlns:r="http://schemas.openxmlformats.org/officeDocument/2006/relationships" xmlns:p="http://schemas.openxmlformats.org/presentationml/2006/main">
+  <p:cSld>
+    <p:spTree>
+      <p:nvGrpSpPr>
+        <p:cNvPr id="1" name=""/>
+        <p:cNvGrpSpPr/>
+        <p:nvPr/>
+      </p:nvGrpSpPr>
+      <p:grpSpPr>
+        <a:xfrm>
+          <a:off x="0" y="0"/>
+          <a:ext cx="0" cy="0"/>
+          <a:chOff x="0" y="0"/>
+          <a:chExt cx="0" cy="0"/>
+        </a:xfrm>
+      </p:grpSpPr>
+      <p:sp>
+        <p:nvSpPr>
+          <p:cNvPr id="2" name="Title 1">
+            <a:extLst>
+              <a:ext uri="{FF2B5EF4-FFF2-40B4-BE49-F238E27FC236}">
+                <a16:creationId xmlns:a16="http://schemas.microsoft.com/office/drawing/2014/main" id="{9ECF02CA-818D-C8CB-07F0-C729D00E22C6}"/>
+              </a:ext>
+            </a:extLst>
+          </p:cNvPr>
+          <p:cNvSpPr>
+            <a:spLocks noGrp="1"/>
+          </p:cNvSpPr>
+          <p:nvPr>
+            <p:ph type="title"/>
+          </p:nvPr>
+        </p:nvSpPr>
+        <p:spPr>
+          <a:xfrm>
+            <a:off x="342441" y="1"/>
+            <a:ext cx="10641376" cy="1046602"/>
+          </a:xfrm>
+        </p:spPr>
+        <p:txBody>
+          <a:bodyPr/>
+          <a:lstStyle/>
+          <a:p>
+            <a:r>
+              <a:rPr lang="en-US" dirty="0"/>
+              <a:t>debug mode</a:t>
+            </a:r>
+            <a:endParaRPr lang="en-CN" dirty="0"/>
+          </a:p>
+        </p:txBody>
+      </p:sp>
+      <p:sp>
+        <p:nvSpPr>
+          <p:cNvPr id="5" name="TextBox 4">
+            <a:extLst>
+              <a:ext uri="{FF2B5EF4-FFF2-40B4-BE49-F238E27FC236}">
+                <a16:creationId xmlns:a16="http://schemas.microsoft.com/office/drawing/2014/main" id="{9BE741F0-7A42-53BD-E772-69F0D15F707E}"/>
+              </a:ext>
+            </a:extLst>
+          </p:cNvPr>
+          <p:cNvSpPr txBox="1"/>
+          <p:nvPr/>
+        </p:nvSpPr>
+        <p:spPr>
+          <a:xfrm>
+            <a:off x="342441" y="1046602"/>
+            <a:ext cx="5188026" cy="830997"/>
+          </a:xfrm>
+          <a:prstGeom prst="rect">
+            <a:avLst/>
+          </a:prstGeom>
+          <a:noFill/>
+        </p:spPr>
+        <p:txBody>
+          <a:bodyPr wrap="square">
+            <a:spAutoFit/>
+          </a:bodyPr>
+          <a:lstStyle/>
+          <a:p>
+            <a:pPr algn="l"/>
+            <a:r>
+              <a:rPr lang="zh-CN" altLang="en-US" sz="1600" b="1" i="0" dirty="0">
+                <a:solidFill>
+                  <a:srgbClr val="26251E"/>
+                </a:solidFill>
+                <a:effectLst/>
+                <a:latin typeface="CursorGothic"/>
+              </a:rPr>
+              <a:t>复现该 </a:t>
+            </a:r>
+            <a:r>
+              <a:rPr lang="en-US" sz="1600" b="1" i="0" dirty="0">
+                <a:solidFill>
+                  <a:srgbClr val="26251E"/>
+                </a:solidFill>
+                <a:effectLst/>
+                <a:latin typeface="CursorGothic"/>
+              </a:rPr>
+              <a:t>bug</a:t>
+            </a:r>
+          </a:p>
+          <a:p>
+            <a:pPr algn="l"/>
+            <a:r>
+              <a:rPr lang="zh-CN" altLang="en-US" sz="1600" b="0" i="0" dirty="0">
+                <a:solidFill>
+                  <a:srgbClr val="26251E"/>
+                </a:solidFill>
+                <a:effectLst/>
+                <a:latin typeface="CursorGothic"/>
+              </a:rPr>
+              <a:t>接下来，回到你的应用，在代理采集运行时日志的同时复现这个 </a:t>
+            </a:r>
+            <a:r>
+              <a:rPr lang="en-US" sz="1600" b="0" i="0" dirty="0">
+                <a:solidFill>
+                  <a:srgbClr val="26251E"/>
+                </a:solidFill>
+                <a:effectLst/>
+                <a:latin typeface="CursorGothic"/>
+              </a:rPr>
+              <a:t>bug。</a:t>
+            </a:r>
+          </a:p>
+        </p:txBody>
+      </p:sp>
+      <p:sp>
+        <p:nvSpPr>
+          <p:cNvPr id="11" name="TextBox 10">
+            <a:extLst>
+              <a:ext uri="{FF2B5EF4-FFF2-40B4-BE49-F238E27FC236}">
+                <a16:creationId xmlns:a16="http://schemas.microsoft.com/office/drawing/2014/main" id="{4B54DABC-A471-E836-2DE5-6DADD28CFCD8}"/>
+              </a:ext>
+            </a:extLst>
+          </p:cNvPr>
+          <p:cNvSpPr txBox="1"/>
+          <p:nvPr/>
+        </p:nvSpPr>
+        <p:spPr>
+          <a:xfrm>
+            <a:off x="5836186" y="1046602"/>
+            <a:ext cx="6097836" cy="1569660"/>
+          </a:xfrm>
+          <a:prstGeom prst="rect">
+            <a:avLst/>
+          </a:prstGeom>
+          <a:noFill/>
+        </p:spPr>
+        <p:txBody>
+          <a:bodyPr wrap="square">
+            <a:spAutoFit/>
+          </a:bodyPr>
+          <a:lstStyle/>
+          <a:p>
+            <a:pPr algn="l"/>
+            <a:r>
+              <a:rPr lang="zh-CN" altLang="en-US" sz="1600" b="0" i="0" dirty="0">
+                <a:solidFill>
+                  <a:srgbClr val="26251E"/>
+                </a:solidFill>
+                <a:effectLst/>
+                <a:latin typeface="CursorGothic"/>
+              </a:rPr>
+              <a:t>当 </a:t>
+            </a:r>
+            <a:r>
+              <a:rPr lang="en-US" sz="1600" b="0" i="0" dirty="0">
+                <a:solidFill>
+                  <a:srgbClr val="26251E"/>
+                </a:solidFill>
+                <a:effectLst/>
+                <a:latin typeface="CursorGothic"/>
+              </a:rPr>
+              <a:t>bug </a:t>
+            </a:r>
+            <a:r>
+              <a:rPr lang="zh-CN" altLang="en-US" sz="1600" b="0" i="0" dirty="0">
+                <a:solidFill>
+                  <a:srgbClr val="26251E"/>
+                </a:solidFill>
+                <a:effectLst/>
+                <a:latin typeface="CursorGothic"/>
+              </a:rPr>
+              <a:t>发生时，代理可以准确了解你的代码中发生了什么：变量状态、执行路径以及时序信息。基于这些数据，它可以精准定位根本原因并生成有针对性的修复方案。通常这只需要对两三行代码做精确修改，而不是像普通代理交互那样给你上百行试探性代码。</a:t>
+            </a:r>
+            <a:endParaRPr lang="zh-CN" altLang="en-US" sz="1600" b="1" i="0" dirty="0">
+              <a:solidFill>
+                <a:srgbClr val="26251E"/>
+              </a:solidFill>
+              <a:effectLst/>
+              <a:latin typeface="CursorGothic"/>
+            </a:endParaRPr>
+          </a:p>
+          <a:p>
+            <a:br>
+              <a:rPr lang="zh-CN" altLang="en-US" sz="1600" dirty="0"/>
+            </a:br>
+            <a:endParaRPr lang="en-CN" sz="1600" dirty="0"/>
+          </a:p>
+        </p:txBody>
+      </p:sp>
+      <p:pic>
+        <p:nvPicPr>
+          <p:cNvPr id="13" name="Picture 12">
+            <a:extLst>
+              <a:ext uri="{FF2B5EF4-FFF2-40B4-BE49-F238E27FC236}">
+                <a16:creationId xmlns:a16="http://schemas.microsoft.com/office/drawing/2014/main" id="{8C201DC5-57EE-3434-10B9-7F4C6677FA65}"/>
+              </a:ext>
+            </a:extLst>
+          </p:cNvPr>
+          <p:cNvPicPr>
+            <a:picLocks noChangeAspect="1"/>
+          </p:cNvPicPr>
+          <p:nvPr/>
+        </p:nvPicPr>
+        <p:blipFill>
+          <a:blip r:embed="rId2">
+            <a:extLst>
+              <a:ext uri="{28A0092B-C50C-407E-A947-70E740481C1C}">
+                <a14:useLocalDpi xmlns:a14="http://schemas.microsoft.com/office/drawing/2010/main" val="0"/>
+              </a:ext>
+            </a:extLst>
+          </a:blip>
+          <a:stretch>
+            <a:fillRect/>
+          </a:stretch>
+        </p:blipFill>
+        <p:spPr>
+          <a:xfrm>
+            <a:off x="428204" y="2285939"/>
+            <a:ext cx="5431039" cy="3365714"/>
+          </a:xfrm>
+          <a:prstGeom prst="rect">
+            <a:avLst/>
+          </a:prstGeom>
+        </p:spPr>
+      </p:pic>
+      <p:pic>
+        <p:nvPicPr>
+          <p:cNvPr id="14" name="Picture 13">
+            <a:extLst>
+              <a:ext uri="{FF2B5EF4-FFF2-40B4-BE49-F238E27FC236}">
+                <a16:creationId xmlns:a16="http://schemas.microsoft.com/office/drawing/2014/main" id="{C4E1C600-5968-CB32-6159-1898AC7ED35A}"/>
+              </a:ext>
+            </a:extLst>
+          </p:cNvPr>
+          <p:cNvPicPr>
+            <a:picLocks noChangeAspect="1"/>
+          </p:cNvPicPr>
+          <p:nvPr/>
+        </p:nvPicPr>
+        <p:blipFill>
+          <a:blip r:embed="rId3">
+            <a:extLst>
+              <a:ext uri="{28A0092B-C50C-407E-A947-70E740481C1C}">
+                <a14:useLocalDpi xmlns:a14="http://schemas.microsoft.com/office/drawing/2010/main" val="0"/>
+              </a:ext>
+            </a:extLst>
+          </a:blip>
+          <a:stretch>
+            <a:fillRect/>
+          </a:stretch>
+        </p:blipFill>
+        <p:spPr>
+          <a:xfrm>
+            <a:off x="5942645" y="2909891"/>
+            <a:ext cx="5991377" cy="1038217"/>
+          </a:xfrm>
+          <a:prstGeom prst="rect">
+            <a:avLst/>
+          </a:prstGeom>
+        </p:spPr>
+      </p:pic>
+    </p:spTree>
+    <p:extLst>
+      <p:ext uri="{BB962C8B-B14F-4D97-AF65-F5344CB8AC3E}">
+        <p14:creationId xmlns:p14="http://schemas.microsoft.com/office/powerpoint/2010/main" val="1519848490"/>
+      </p:ext>
+    </p:extLst>
+  </p:cSld>
+  <p:clrMapOvr>
+    <a:masterClrMapping/>
+  </p:clrMapOvr>
+</p:sld>
+</file>
+
+<file path=ppt/slides/slide18.xml><?xml version="1.0" encoding="utf-8"?>
+<p:sld xmlns:a="http://schemas.openxmlformats.org/drawingml/2006/main" xmlns:r="http://schemas.openxmlformats.org/officeDocument/2006/relationships" xmlns:p="http://schemas.openxmlformats.org/presentationml/2006/main">
+  <p:cSld>
+    <p:spTree>
+      <p:nvGrpSpPr>
+        <p:cNvPr id="1" name=""/>
+        <p:cNvGrpSpPr/>
+        <p:nvPr/>
+      </p:nvGrpSpPr>
+      <p:grpSpPr>
+        <a:xfrm>
+          <a:off x="0" y="0"/>
+          <a:ext cx="0" cy="0"/>
+          <a:chOff x="0" y="0"/>
+          <a:chExt cx="0" cy="0"/>
+        </a:xfrm>
+      </p:grpSpPr>
+      <p:sp>
+        <p:nvSpPr>
+          <p:cNvPr id="2" name="Title 1">
+            <a:extLst>
+              <a:ext uri="{FF2B5EF4-FFF2-40B4-BE49-F238E27FC236}">
+                <a16:creationId xmlns:a16="http://schemas.microsoft.com/office/drawing/2014/main" id="{88EA7E4F-1CF3-DBB6-269C-4C40B5BD71DA}"/>
+              </a:ext>
+            </a:extLst>
+          </p:cNvPr>
+          <p:cNvSpPr>
+            <a:spLocks noGrp="1"/>
+          </p:cNvSpPr>
+          <p:nvPr>
+            <p:ph type="title"/>
+          </p:nvPr>
+        </p:nvSpPr>
+        <p:spPr>
+          <a:xfrm>
+            <a:off x="474644" y="0"/>
+            <a:ext cx="10597308" cy="1057619"/>
+          </a:xfrm>
+        </p:spPr>
+        <p:txBody>
+          <a:bodyPr/>
+          <a:lstStyle/>
+          <a:p>
+            <a:r>
+              <a:rPr lang="en-US" dirty="0"/>
+              <a:t>debug mode</a:t>
+            </a:r>
+            <a:endParaRPr lang="en-CN" dirty="0"/>
+          </a:p>
+        </p:txBody>
+      </p:sp>
+      <p:sp>
+        <p:nvSpPr>
+          <p:cNvPr id="7" name="TextBox 6">
+            <a:extLst>
+              <a:ext uri="{FF2B5EF4-FFF2-40B4-BE49-F238E27FC236}">
+                <a16:creationId xmlns:a16="http://schemas.microsoft.com/office/drawing/2014/main" id="{961C9876-921C-0FC7-D7A4-28B263801269}"/>
+              </a:ext>
+            </a:extLst>
+          </p:cNvPr>
+          <p:cNvSpPr txBox="1"/>
+          <p:nvPr/>
+        </p:nvSpPr>
+        <p:spPr>
+          <a:xfrm>
+            <a:off x="382836" y="1057619"/>
+            <a:ext cx="5508433" cy="1323439"/>
+          </a:xfrm>
+          <a:prstGeom prst="rect">
+            <a:avLst/>
+          </a:prstGeom>
+          <a:noFill/>
+        </p:spPr>
+        <p:txBody>
+          <a:bodyPr wrap="square">
+            <a:spAutoFit/>
+          </a:bodyPr>
+          <a:lstStyle/>
+          <a:p>
+            <a:pPr algn="l"/>
+            <a:r>
+              <a:rPr lang="zh-CN" altLang="en-US" sz="1600" b="1" i="0" dirty="0">
+                <a:solidFill>
+                  <a:srgbClr val="26251E"/>
+                </a:solidFill>
+                <a:effectLst/>
+                <a:latin typeface="CursorGothic"/>
+              </a:rPr>
+              <a:t>验证修复</a:t>
+            </a:r>
+          </a:p>
+          <a:p>
+            <a:pPr algn="l"/>
+            <a:r>
+              <a:rPr lang="zh-CN" altLang="en-US" sz="1600" b="0" i="0" dirty="0">
+                <a:solidFill>
+                  <a:srgbClr val="26251E"/>
+                </a:solidFill>
+                <a:effectLst/>
+                <a:latin typeface="CursorGothic"/>
+              </a:rPr>
+              <a:t>此时，</a:t>
+            </a:r>
+            <a:r>
+              <a:rPr lang="en-US" sz="1600" b="0" i="0" dirty="0">
+                <a:solidFill>
+                  <a:srgbClr val="26251E"/>
+                </a:solidFill>
+                <a:effectLst/>
+                <a:latin typeface="CursorGothic"/>
+              </a:rPr>
+              <a:t>Debug Mode </a:t>
+            </a:r>
+            <a:r>
+              <a:rPr lang="zh-CN" altLang="en-US" sz="1600" b="0" i="0" dirty="0">
+                <a:solidFill>
+                  <a:srgbClr val="26251E"/>
+                </a:solidFill>
+                <a:effectLst/>
+                <a:latin typeface="CursorGothic"/>
+              </a:rPr>
+              <a:t>会要求你在应用了建议修复的情况下，再复现一次这个 </a:t>
+            </a:r>
+            <a:r>
+              <a:rPr lang="en-US" sz="1600" b="0" i="0" dirty="0">
+                <a:solidFill>
+                  <a:srgbClr val="26251E"/>
+                </a:solidFill>
+                <a:effectLst/>
+                <a:latin typeface="CursorGothic"/>
+              </a:rPr>
+              <a:t>bug。</a:t>
+            </a:r>
+            <a:r>
+              <a:rPr lang="zh-CN" altLang="en-US" sz="1600" b="0" i="0" dirty="0">
+                <a:solidFill>
+                  <a:srgbClr val="26251E"/>
+                </a:solidFill>
+                <a:effectLst/>
+                <a:latin typeface="CursorGothic"/>
+              </a:rPr>
+              <a:t>若 </a:t>
+            </a:r>
+            <a:r>
+              <a:rPr lang="en-US" sz="1600" b="0" i="0" dirty="0">
+                <a:solidFill>
+                  <a:srgbClr val="26251E"/>
+                </a:solidFill>
+                <a:effectLst/>
+                <a:latin typeface="CursorGothic"/>
+              </a:rPr>
+              <a:t>bug </a:t>
+            </a:r>
+            <a:r>
+              <a:rPr lang="zh-CN" altLang="en-US" sz="1600" b="0" i="0" dirty="0">
+                <a:solidFill>
+                  <a:srgbClr val="26251E"/>
+                </a:solidFill>
+                <a:effectLst/>
+                <a:latin typeface="CursorGothic"/>
+              </a:rPr>
+              <a:t>已经消失，你就可以将其标记为已修复，</a:t>
+            </a:r>
+            <a:r>
+              <a:rPr lang="en-US" sz="1600" b="0" i="0" dirty="0">
+                <a:solidFill>
+                  <a:srgbClr val="26251E"/>
+                </a:solidFill>
+                <a:effectLst/>
+                <a:latin typeface="CursorGothic"/>
+              </a:rPr>
+              <a:t>agent </a:t>
+            </a:r>
+            <a:r>
+              <a:rPr lang="zh-CN" altLang="en-US" sz="1600" b="0" i="0" dirty="0">
+                <a:solidFill>
+                  <a:srgbClr val="26251E"/>
+                </a:solidFill>
+                <a:effectLst/>
+                <a:latin typeface="CursorGothic"/>
+              </a:rPr>
+              <a:t>会移除所有埋点（</a:t>
+            </a:r>
+            <a:r>
+              <a:rPr lang="en-US" sz="1600" b="0" i="0" dirty="0">
+                <a:solidFill>
+                  <a:srgbClr val="26251E"/>
+                </a:solidFill>
+                <a:effectLst/>
+                <a:latin typeface="CursorGothic"/>
+              </a:rPr>
+              <a:t>instrumentation），</a:t>
+            </a:r>
+            <a:r>
+              <a:rPr lang="zh-CN" altLang="en-US" sz="1600" b="0" i="0" dirty="0">
+                <a:solidFill>
+                  <a:srgbClr val="26251E"/>
+                </a:solidFill>
+                <a:effectLst/>
+                <a:latin typeface="CursorGothic"/>
+              </a:rPr>
+              <a:t>只留下一个干净、最小化的变更，方便你直接发布。</a:t>
+            </a:r>
+          </a:p>
+        </p:txBody>
+      </p:sp>
+      <p:sp>
+        <p:nvSpPr>
+          <p:cNvPr id="11" name="TextBox 10">
+            <a:extLst>
+              <a:ext uri="{FF2B5EF4-FFF2-40B4-BE49-F238E27FC236}">
+                <a16:creationId xmlns:a16="http://schemas.microsoft.com/office/drawing/2014/main" id="{0B31A842-DE30-1B68-E709-4B7F914C6363}"/>
+              </a:ext>
+            </a:extLst>
+          </p:cNvPr>
+          <p:cNvSpPr txBox="1"/>
+          <p:nvPr/>
+        </p:nvSpPr>
+        <p:spPr>
+          <a:xfrm>
+            <a:off x="5891269" y="1226896"/>
+            <a:ext cx="6097836" cy="2308324"/>
+          </a:xfrm>
+          <a:prstGeom prst="rect">
+            <a:avLst/>
+          </a:prstGeom>
+          <a:noFill/>
+        </p:spPr>
+        <p:txBody>
+          <a:bodyPr wrap="square">
+            <a:spAutoFit/>
+          </a:bodyPr>
+          <a:lstStyle/>
+          <a:p>
+            <a:pPr algn="l"/>
+            <a:r>
+              <a:rPr lang="zh-CN" altLang="en-US" sz="1600" b="0" i="0" dirty="0">
+                <a:solidFill>
+                  <a:srgbClr val="26251E"/>
+                </a:solidFill>
+                <a:effectLst/>
+                <a:latin typeface="CursorGothic"/>
+              </a:rPr>
+              <a:t>这种 </a:t>
+            </a:r>
+            <a:r>
+              <a:rPr lang="en-US" sz="1600" b="0" i="0" dirty="0">
+                <a:solidFill>
+                  <a:srgbClr val="26251E"/>
+                </a:solidFill>
+                <a:effectLst/>
+                <a:latin typeface="CursorGothic"/>
+              </a:rPr>
+              <a:t>human-in-the-loop（</a:t>
+            </a:r>
+            <a:r>
+              <a:rPr lang="zh-CN" altLang="en-US" sz="1600" b="0" i="0" dirty="0">
+                <a:solidFill>
+                  <a:srgbClr val="26251E"/>
+                </a:solidFill>
+                <a:effectLst/>
+                <a:latin typeface="CursorGothic"/>
+              </a:rPr>
+              <a:t>人工参与）的验证非常关键。有些 </a:t>
+            </a:r>
+            <a:r>
+              <a:rPr lang="en-US" sz="1600" b="0" i="0" dirty="0">
+                <a:solidFill>
+                  <a:srgbClr val="26251E"/>
+                </a:solidFill>
+                <a:effectLst/>
+                <a:latin typeface="CursorGothic"/>
+              </a:rPr>
+              <a:t>bug </a:t>
+            </a:r>
+            <a:r>
+              <a:rPr lang="zh-CN" altLang="en-US" sz="1600" b="0" i="0" dirty="0">
+                <a:solidFill>
+                  <a:srgbClr val="26251E"/>
+                </a:solidFill>
+                <a:effectLst/>
+                <a:latin typeface="CursorGothic"/>
+              </a:rPr>
+              <a:t>很明显，但有些则处在灰色地带：从技术上看修复是有效的，但体验上却不一定合适。</a:t>
+            </a:r>
+            <a:r>
+              <a:rPr lang="en-US" sz="1600" b="0" i="0" dirty="0">
+                <a:solidFill>
+                  <a:srgbClr val="26251E"/>
+                </a:solidFill>
+                <a:effectLst/>
+                <a:latin typeface="CursorGothic"/>
+              </a:rPr>
+              <a:t>agent </a:t>
+            </a:r>
+            <a:r>
+              <a:rPr lang="zh-CN" altLang="en-US" sz="1600" b="0" i="0" dirty="0">
+                <a:solidFill>
+                  <a:srgbClr val="26251E"/>
+                </a:solidFill>
+                <a:effectLst/>
+                <a:latin typeface="CursorGothic"/>
+              </a:rPr>
+              <a:t>自己无法做出这种判断。如果你认为 </a:t>
+            </a:r>
+            <a:r>
+              <a:rPr lang="en-US" sz="1600" b="0" i="0" dirty="0">
+                <a:solidFill>
+                  <a:srgbClr val="26251E"/>
+                </a:solidFill>
+                <a:effectLst/>
+                <a:latin typeface="CursorGothic"/>
+              </a:rPr>
+              <a:t>bug </a:t>
+            </a:r>
+            <a:r>
+              <a:rPr lang="zh-CN" altLang="en-US" sz="1600" b="0" i="0" dirty="0">
+                <a:solidFill>
+                  <a:srgbClr val="26251E"/>
+                </a:solidFill>
+                <a:effectLst/>
+                <a:latin typeface="CursorGothic"/>
+              </a:rPr>
+              <a:t>还没修好，</a:t>
+            </a:r>
+            <a:r>
+              <a:rPr lang="en-US" sz="1600" b="0" i="0" dirty="0">
+                <a:solidFill>
+                  <a:srgbClr val="26251E"/>
+                </a:solidFill>
+                <a:effectLst/>
+                <a:latin typeface="CursorGothic"/>
+              </a:rPr>
+              <a:t>agent </a:t>
+            </a:r>
+            <a:r>
+              <a:rPr lang="zh-CN" altLang="en-US" sz="1600" b="0" i="0" dirty="0">
+                <a:solidFill>
+                  <a:srgbClr val="26251E"/>
+                </a:solidFill>
+                <a:effectLst/>
+                <a:latin typeface="CursorGothic"/>
+              </a:rPr>
+              <a:t>会添加更多日志，你再复现一次，然后它会不断微调自己的处理方式，直到问题真正解决。</a:t>
+            </a:r>
+          </a:p>
+          <a:p>
+            <a:pPr algn="l"/>
+            <a:r>
+              <a:rPr lang="zh-CN" altLang="en-US" sz="1600" b="0" i="0" dirty="0">
+                <a:solidFill>
+                  <a:srgbClr val="26251E"/>
+                </a:solidFill>
+                <a:effectLst/>
+                <a:latin typeface="CursorGothic"/>
+              </a:rPr>
+              <a:t>这种紧密的来回迭代，是我们认为 </a:t>
+            </a:r>
+            <a:r>
+              <a:rPr lang="en-US" sz="1600" b="0" i="0" dirty="0">
+                <a:solidFill>
+                  <a:srgbClr val="26251E"/>
+                </a:solidFill>
+                <a:effectLst/>
+                <a:latin typeface="CursorGothic"/>
+              </a:rPr>
+              <a:t>AI </a:t>
+            </a:r>
+            <a:r>
+              <a:rPr lang="zh-CN" altLang="en-US" sz="1600" b="0" i="0" dirty="0">
+                <a:solidFill>
+                  <a:srgbClr val="26251E"/>
+                </a:solidFill>
+                <a:effectLst/>
+                <a:latin typeface="CursorGothic"/>
+              </a:rPr>
+              <a:t>编程效果最好的方式之一。</a:t>
+            </a:r>
+            <a:r>
+              <a:rPr lang="en-US" sz="1600" b="0" i="0" dirty="0">
+                <a:solidFill>
+                  <a:srgbClr val="26251E"/>
+                </a:solidFill>
+                <a:effectLst/>
+                <a:latin typeface="CursorGothic"/>
+              </a:rPr>
+              <a:t>agent </a:t>
+            </a:r>
+            <a:r>
+              <a:rPr lang="zh-CN" altLang="en-US" sz="1600" b="0" i="0" dirty="0">
+                <a:solidFill>
+                  <a:srgbClr val="26251E"/>
+                </a:solidFill>
+                <a:effectLst/>
+                <a:latin typeface="CursorGothic"/>
+              </a:rPr>
+              <a:t>负责繁琐的机械性工作，而你负责做出那些需要人类判断的快速决策。借助 </a:t>
+            </a:r>
+            <a:r>
+              <a:rPr lang="en-US" sz="1600" b="0" i="0" dirty="0">
+                <a:solidFill>
+                  <a:srgbClr val="26251E"/>
+                </a:solidFill>
+                <a:effectLst/>
+                <a:latin typeface="CursorGothic"/>
+              </a:rPr>
+              <a:t>Debug Mode，</a:t>
+            </a:r>
+            <a:r>
+              <a:rPr lang="zh-CN" altLang="en-US" sz="1600" b="0" i="0" dirty="0">
+                <a:solidFill>
+                  <a:srgbClr val="26251E"/>
+                </a:solidFill>
+                <a:effectLst/>
+                <a:latin typeface="CursorGothic"/>
+              </a:rPr>
+              <a:t>以前那些几乎搞不定的棘手 </a:t>
+            </a:r>
+            <a:r>
+              <a:rPr lang="en-US" sz="1600" b="0" i="0" dirty="0">
+                <a:solidFill>
+                  <a:srgbClr val="26251E"/>
+                </a:solidFill>
+                <a:effectLst/>
+                <a:latin typeface="CursorGothic"/>
+              </a:rPr>
+              <a:t>bug，</a:t>
+            </a:r>
+            <a:r>
+              <a:rPr lang="zh-CN" altLang="en-US" sz="1600" b="0" i="0" dirty="0">
+                <a:solidFill>
+                  <a:srgbClr val="26251E"/>
+                </a:solidFill>
+                <a:effectLst/>
+                <a:latin typeface="CursorGothic"/>
+              </a:rPr>
+              <a:t>现在也能被稳定修复。</a:t>
+            </a:r>
+          </a:p>
+        </p:txBody>
+      </p:sp>
+      <p:pic>
+        <p:nvPicPr>
+          <p:cNvPr id="15" name="Picture 14">
+            <a:extLst>
+              <a:ext uri="{FF2B5EF4-FFF2-40B4-BE49-F238E27FC236}">
+                <a16:creationId xmlns:a16="http://schemas.microsoft.com/office/drawing/2014/main" id="{DD79A3A7-F0FB-FA17-5303-793F3E090885}"/>
+              </a:ext>
+            </a:extLst>
+          </p:cNvPr>
+          <p:cNvPicPr>
+            <a:picLocks noChangeAspect="1"/>
+          </p:cNvPicPr>
+          <p:nvPr/>
+        </p:nvPicPr>
+        <p:blipFill>
+          <a:blip r:embed="rId2">
+            <a:extLst>
+              <a:ext uri="{28A0092B-C50C-407E-A947-70E740481C1C}">
+                <a14:useLocalDpi xmlns:a14="http://schemas.microsoft.com/office/drawing/2010/main" val="0"/>
+              </a:ext>
+            </a:extLst>
+          </a:blip>
+          <a:stretch>
+            <a:fillRect/>
+          </a:stretch>
+        </p:blipFill>
+        <p:spPr>
+          <a:xfrm>
+            <a:off x="202895" y="3115095"/>
+            <a:ext cx="6277960" cy="3263672"/>
+          </a:xfrm>
+          <a:prstGeom prst="rect">
+            <a:avLst/>
+          </a:prstGeom>
+        </p:spPr>
+      </p:pic>
+    </p:spTree>
+    <p:extLst>
+      <p:ext uri="{BB962C8B-B14F-4D97-AF65-F5344CB8AC3E}">
+        <p14:creationId xmlns:p14="http://schemas.microsoft.com/office/powerpoint/2010/main" val="792453398"/>
       </p:ext>
     </p:extLst>
   </p:cSld>
